--- a/Memo_Project/스토리보드.pptx
+++ b/Memo_Project/스토리보드.pptx
@@ -4268,6 +4268,156 @@
       </p:grpSpPr>
       <p:sp>
         <p:nvSpPr>
+          <p:cNvPr id="25" name="사각형: 둥근 모서리 24">
+            <a:extLst>
+              <a:ext uri="{FF2B5EF4-FFF2-40B4-BE49-F238E27FC236}">
+                <a16:creationId xmlns:a16="http://schemas.microsoft.com/office/drawing/2014/main" id="{94E518D2-C52E-B9A9-2313-2327847334A4}"/>
+              </a:ext>
+            </a:extLst>
+          </p:cNvPr>
+          <p:cNvSpPr/>
+          <p:nvPr/>
+        </p:nvSpPr>
+        <p:spPr bwMode="auto">
+          <a:xfrm>
+            <a:off x="1696634" y="1300867"/>
+            <a:ext cx="7339861" cy="2894097"/>
+          </a:xfrm>
+          <a:prstGeom prst="roundRect">
+            <a:avLst/>
+          </a:prstGeom>
+          <a:solidFill>
+            <a:schemeClr val="accent3">
+              <a:lumMod val="85000"/>
+            </a:schemeClr>
+          </a:solidFill>
+          <a:ln w="9525" cap="flat" cmpd="sng" algn="ctr">
+            <a:solidFill>
+              <a:schemeClr val="tx1"/>
+            </a:solidFill>
+            <a:prstDash val="solid"/>
+            <a:round/>
+            <a:headEnd type="none" w="med" len="med"/>
+            <a:tailEnd type="none" w="med" len="med"/>
+          </a:ln>
+          <a:effectLst/>
+        </p:spPr>
+        <p:txBody>
+          <a:bodyPr vert="horz" wrap="square" lIns="91440" tIns="45720" rIns="91440" bIns="45720" numCol="1" rtlCol="0" anchor="ctr" anchorCtr="0" compatLnSpc="1">
+            <a:prstTxWarp prst="textNoShape">
+              <a:avLst/>
+            </a:prstTxWarp>
+            <a:spAutoFit/>
+          </a:bodyPr>
+          <a:lstStyle/>
+          <a:p>
+            <a:pPr marL="0" marR="0" indent="0" algn="ctr" defTabSz="914400" rtl="0" eaLnBrk="1" fontAlgn="base" latinLnBrk="1" hangingPunct="1">
+              <a:lnSpc>
+                <a:spcPct val="100000"/>
+              </a:lnSpc>
+              <a:spcBef>
+                <a:spcPct val="50000"/>
+              </a:spcBef>
+              <a:spcAft>
+                <a:spcPct val="0"/>
+              </a:spcAft>
+              <a:buClrTx/>
+              <a:buSzTx/>
+              <a:buFontTx/>
+              <a:buNone/>
+              <a:tabLst/>
+            </a:pPr>
+            <a:endParaRPr kumimoji="1" lang="ko-KR" altLang="en-US" sz="800" b="0" i="0" u="none" strike="noStrike" cap="none" normalizeH="0" baseline="0">
+              <a:ln>
+                <a:noFill/>
+              </a:ln>
+              <a:solidFill>
+                <a:schemeClr val="tx1"/>
+              </a:solidFill>
+              <a:effectLst/>
+              <a:latin typeface="굴림" pitchFamily="50" charset="-127"/>
+              <a:ea typeface="굴림" pitchFamily="50" charset="-127"/>
+            </a:endParaRPr>
+          </a:p>
+        </p:txBody>
+      </p:sp>
+      <p:sp>
+        <p:nvSpPr>
+          <p:cNvPr id="24" name="사각형: 둥근 모서리 23">
+            <a:extLst>
+              <a:ext uri="{FF2B5EF4-FFF2-40B4-BE49-F238E27FC236}">
+                <a16:creationId xmlns:a16="http://schemas.microsoft.com/office/drawing/2014/main" id="{6CE9BC63-4A7D-C338-E231-B2BCAC5FE695}"/>
+              </a:ext>
+            </a:extLst>
+          </p:cNvPr>
+          <p:cNvSpPr/>
+          <p:nvPr/>
+        </p:nvSpPr>
+        <p:spPr bwMode="auto">
+          <a:xfrm>
+            <a:off x="19456" y="1248113"/>
+            <a:ext cx="1616152" cy="2963291"/>
+          </a:xfrm>
+          <a:prstGeom prst="roundRect">
+            <a:avLst/>
+          </a:prstGeom>
+          <a:solidFill>
+            <a:schemeClr val="accent3">
+              <a:lumMod val="85000"/>
+            </a:schemeClr>
+          </a:solidFill>
+          <a:ln w="9525" cap="flat" cmpd="sng" algn="ctr">
+            <a:solidFill>
+              <a:schemeClr val="tx1"/>
+            </a:solidFill>
+            <a:prstDash val="solid"/>
+            <a:round/>
+            <a:headEnd type="none" w="med" len="med"/>
+            <a:tailEnd type="none" w="med" len="med"/>
+          </a:ln>
+          <a:effectLst/>
+        </p:spPr>
+        <p:txBody>
+          <a:bodyPr vert="horz" wrap="square" lIns="91440" tIns="45720" rIns="91440" bIns="45720" numCol="1" rtlCol="0" anchor="ctr" anchorCtr="0" compatLnSpc="1">
+            <a:prstTxWarp prst="textNoShape">
+              <a:avLst/>
+            </a:prstTxWarp>
+            <a:spAutoFit/>
+          </a:bodyPr>
+          <a:lstStyle/>
+          <a:p>
+            <a:pPr marL="0" marR="0" indent="0" algn="ctr" defTabSz="914400" rtl="0" eaLnBrk="1" fontAlgn="base" latinLnBrk="1" hangingPunct="1">
+              <a:lnSpc>
+                <a:spcPct val="100000"/>
+              </a:lnSpc>
+              <a:spcBef>
+                <a:spcPct val="50000"/>
+              </a:spcBef>
+              <a:spcAft>
+                <a:spcPct val="0"/>
+              </a:spcAft>
+              <a:buClrTx/>
+              <a:buSzTx/>
+              <a:buFontTx/>
+              <a:buNone/>
+              <a:tabLst/>
+            </a:pPr>
+            <a:endParaRPr kumimoji="1" lang="ko-KR" altLang="en-US" sz="800" b="0" i="0" u="none" strike="noStrike" cap="none" normalizeH="0" baseline="0">
+              <a:ln>
+                <a:noFill/>
+              </a:ln>
+              <a:solidFill>
+                <a:schemeClr val="tx1"/>
+              </a:solidFill>
+              <a:effectLst/>
+              <a:latin typeface="굴림" pitchFamily="50" charset="-127"/>
+              <a:ea typeface="굴림" pitchFamily="50" charset="-127"/>
+            </a:endParaRPr>
+          </a:p>
+        </p:txBody>
+      </p:sp>
+      <p:sp>
+        <p:nvSpPr>
           <p:cNvPr id="2" name="내용 개체 틀 1">
             <a:extLst>
               <a:ext uri="{FF2B5EF4-FFF2-40B4-BE49-F238E27FC236}">
@@ -4297,13 +4447,12 @@
             </a:pPr>
             <a:r>
               <a:rPr lang="en-US" altLang="ko-KR" dirty="0"/>
-              <a:t>				   </a:t>
-            </a:r>
-            <a:r>
-              <a:rPr lang="ko-KR" altLang="en-US" b="1" dirty="0" err="1"/>
-              <a:t>검색창</a:t>
-            </a:r>
-            <a:endParaRPr lang="ko-KR" altLang="en-US" b="1" dirty="0"/>
+              <a:t>	                                          </a:t>
+            </a:r>
+            <a:r>
+              <a:rPr lang="ko-KR" altLang="en-US" sz="1800" b="1" dirty="0"/>
+              <a:t>메모 관리 프로그램 메인 화면</a:t>
+            </a:r>
           </a:p>
         </p:txBody>
       </p:sp>
@@ -4425,7 +4574,7 @@
           <a:p>
             <a:r>
               <a:rPr lang="ko-KR" altLang="en-US" dirty="0"/>
-              <a:t>최근 작성된 </a:t>
+              <a:t> 최근 작성된 </a:t>
             </a:r>
             <a:r>
               <a:rPr lang="en-US" altLang="ko-KR" dirty="0"/>
@@ -4576,7 +4725,7 @@
         </p:nvSpPr>
         <p:spPr bwMode="auto">
           <a:xfrm>
-            <a:off x="1851525" y="608278"/>
+            <a:off x="1817015" y="999693"/>
             <a:ext cx="180000" cy="180000"/>
           </a:xfrm>
           <a:prstGeom prst="ellipse">
@@ -4715,7 +4864,7 @@
       </p:sp>
       <p:sp>
         <p:nvSpPr>
-          <p:cNvPr id="8" name="직사각형 7">
+          <p:cNvPr id="8" name="사각형: 둥근 모서리 7">
             <a:extLst>
               <a:ext uri="{FF2B5EF4-FFF2-40B4-BE49-F238E27FC236}">
                 <a16:creationId xmlns:a16="http://schemas.microsoft.com/office/drawing/2014/main" id="{CC7CA8DA-9EDF-2615-6742-A53A8BF2B8A5}"/>
@@ -4727,10 +4876,10 @@
         </p:nvSpPr>
         <p:spPr bwMode="auto">
           <a:xfrm>
-            <a:off x="107504" y="579592"/>
-            <a:ext cx="7920880" cy="230537"/>
+            <a:off x="991056" y="984212"/>
+            <a:ext cx="6023750" cy="238363"/>
           </a:xfrm>
-          <a:prstGeom prst="rect">
+          <a:prstGeom prst="roundRect">
             <a:avLst/>
           </a:prstGeom>
           <a:noFill/>
@@ -4770,7 +4919,35 @@
               <a:buNone/>
               <a:tabLst/>
             </a:pPr>
-            <a:endParaRPr kumimoji="1" lang="ko-KR" altLang="en-US" sz="800" b="0" i="0" u="none" strike="noStrike" cap="none" normalizeH="0" baseline="0">
+            <a:r>
+              <a:rPr kumimoji="1" lang="ko-KR" altLang="en-US" sz="800" b="0" i="0" u="none" strike="noStrike" cap="none" normalizeH="0" baseline="0" dirty="0">
+                <a:ln>
+                  <a:noFill/>
+                </a:ln>
+                <a:solidFill>
+                  <a:schemeClr val="tx1"/>
+                </a:solidFill>
+                <a:effectLst/>
+                <a:latin typeface="굴림" pitchFamily="50" charset="-127"/>
+                <a:ea typeface="굴림" pitchFamily="50" charset="-127"/>
+              </a:rPr>
+              <a:t>검색어를 입력하세요</a:t>
+            </a:r>
+            <a:r>
+              <a:rPr kumimoji="1" lang="en-US" altLang="ko-KR" sz="800" b="0" i="0" u="none" strike="noStrike" cap="none" normalizeH="0" baseline="0" dirty="0">
+                <a:ln>
+                  <a:noFill/>
+                </a:ln>
+                <a:solidFill>
+                  <a:schemeClr val="tx1"/>
+                </a:solidFill>
+                <a:effectLst/>
+                <a:latin typeface="굴림" pitchFamily="50" charset="-127"/>
+                <a:ea typeface="굴림" pitchFamily="50" charset="-127"/>
+              </a:rPr>
+              <a:t>.</a:t>
+            </a:r>
+            <a:endParaRPr kumimoji="1" lang="ko-KR" altLang="en-US" sz="800" b="0" i="0" u="none" strike="noStrike" cap="none" normalizeH="0" baseline="0" dirty="0">
               <a:ln>
                 <a:noFill/>
               </a:ln>
@@ -4786,7 +4963,7 @@
       </p:sp>
       <p:sp>
         <p:nvSpPr>
-          <p:cNvPr id="10" name="직사각형 9">
+          <p:cNvPr id="10" name="사각형: 둥근 모서리 9">
             <a:extLst>
               <a:ext uri="{FF2B5EF4-FFF2-40B4-BE49-F238E27FC236}">
                 <a16:creationId xmlns:a16="http://schemas.microsoft.com/office/drawing/2014/main" id="{5BD5DA98-EBF4-49D2-E0F3-330963327896}"/>
@@ -4798,10 +4975,10 @@
         </p:nvSpPr>
         <p:spPr bwMode="auto">
           <a:xfrm>
-            <a:off x="8100392" y="564055"/>
-            <a:ext cx="864095" cy="261610"/>
+            <a:off x="7108214" y="958672"/>
+            <a:ext cx="864095" cy="289441"/>
           </a:xfrm>
-          <a:prstGeom prst="rect">
+          <a:prstGeom prst="roundRect">
             <a:avLst/>
           </a:prstGeom>
           <a:solidFill>
@@ -4844,18 +5021,18 @@
               <a:tabLst/>
             </a:pPr>
             <a:r>
-              <a:rPr kumimoji="1" lang="ko-KR" altLang="en-US" sz="1100" b="1" i="0" u="sng" strike="noStrike" cap="none" normalizeH="0" baseline="0" dirty="0">
+              <a:rPr kumimoji="1" lang="ko-KR" altLang="en-US" sz="1100" b="1" i="0" strike="noStrike" cap="none" normalizeH="0" baseline="0" dirty="0">
                 <a:ln>
                   <a:noFill/>
                 </a:ln>
                 <a:solidFill>
-                  <a:srgbClr val="0070C0"/>
+                  <a:schemeClr val="bg1"/>
                 </a:solidFill>
                 <a:effectLst/>
                 <a:latin typeface="굴림" pitchFamily="50" charset="-127"/>
                 <a:ea typeface="굴림" pitchFamily="50" charset="-127"/>
               </a:rPr>
-              <a:t>검 색</a:t>
+              <a:t>검색</a:t>
             </a:r>
           </a:p>
         </p:txBody>
@@ -4874,7 +5051,7 @@
         </p:nvSpPr>
         <p:spPr bwMode="auto">
           <a:xfrm>
-            <a:off x="55435" y="921084"/>
+            <a:off x="-16597" y="1364482"/>
             <a:ext cx="1274709" cy="276999"/>
           </a:xfrm>
           <a:prstGeom prst="rect">
@@ -4970,7 +5147,7 @@
         </p:nvSpPr>
         <p:spPr bwMode="auto">
           <a:xfrm>
-            <a:off x="55435" y="1285497"/>
+            <a:off x="13502" y="1634869"/>
             <a:ext cx="968535" cy="769441"/>
           </a:xfrm>
           <a:prstGeom prst="rect">
@@ -5268,81 +5445,6 @@
       </p:sp>
       <p:sp>
         <p:nvSpPr>
-          <p:cNvPr id="14" name="직사각형 13">
-            <a:extLst>
-              <a:ext uri="{FF2B5EF4-FFF2-40B4-BE49-F238E27FC236}">
-                <a16:creationId xmlns:a16="http://schemas.microsoft.com/office/drawing/2014/main" id="{0C49FE96-07F6-DF08-EE8D-BC639E10D561}"/>
-              </a:ext>
-            </a:extLst>
-          </p:cNvPr>
-          <p:cNvSpPr/>
-          <p:nvPr/>
-        </p:nvSpPr>
-        <p:spPr bwMode="auto">
-          <a:xfrm>
-            <a:off x="1330144" y="921084"/>
-            <a:ext cx="289528" cy="3162834"/>
-          </a:xfrm>
-          <a:prstGeom prst="rect">
-            <a:avLst/>
-          </a:prstGeom>
-          <a:solidFill>
-            <a:schemeClr val="bg1">
-              <a:lumMod val="85000"/>
-            </a:schemeClr>
-          </a:solidFill>
-          <a:ln w="9525" cap="flat" cmpd="sng" algn="ctr">
-            <a:solidFill>
-              <a:schemeClr val="tx1"/>
-            </a:solidFill>
-            <a:prstDash val="solid"/>
-            <a:round/>
-            <a:headEnd type="none" w="med" len="med"/>
-            <a:tailEnd type="none" w="med" len="med"/>
-          </a:ln>
-          <a:effectLst/>
-        </p:spPr>
-        <p:txBody>
-          <a:bodyPr vert="horz" wrap="none" lIns="91440" tIns="45720" rIns="91440" bIns="45720" numCol="1" rtlCol="0" anchor="ctr" anchorCtr="0" compatLnSpc="1">
-            <a:prstTxWarp prst="textNoShape">
-              <a:avLst/>
-            </a:prstTxWarp>
-            <a:spAutoFit/>
-          </a:bodyPr>
-          <a:lstStyle/>
-          <a:p>
-            <a:pPr marL="0" marR="0" indent="0" algn="ctr" defTabSz="914400" rtl="0" eaLnBrk="1" fontAlgn="base" latinLnBrk="1" hangingPunct="1">
-              <a:lnSpc>
-                <a:spcPct val="100000"/>
-              </a:lnSpc>
-              <a:spcBef>
-                <a:spcPct val="50000"/>
-              </a:spcBef>
-              <a:spcAft>
-                <a:spcPct val="0"/>
-              </a:spcAft>
-              <a:buClrTx/>
-              <a:buSzTx/>
-              <a:buFontTx/>
-              <a:buNone/>
-              <a:tabLst/>
-            </a:pPr>
-            <a:endParaRPr kumimoji="1" lang="ko-KR" altLang="en-US" sz="800" b="0" i="0" u="none" strike="noStrike" cap="none" normalizeH="0" baseline="0">
-              <a:ln>
-                <a:noFill/>
-              </a:ln>
-              <a:solidFill>
-                <a:schemeClr val="tx1"/>
-              </a:solidFill>
-              <a:effectLst/>
-              <a:latin typeface="굴림" pitchFamily="50" charset="-127"/>
-              <a:ea typeface="굴림" pitchFamily="50" charset="-127"/>
-            </a:endParaRPr>
-          </a:p>
-        </p:txBody>
-      </p:sp>
-      <p:sp>
-        <p:nvSpPr>
           <p:cNvPr id="15" name="직사각형 14">
             <a:extLst>
               <a:ext uri="{FF2B5EF4-FFF2-40B4-BE49-F238E27FC236}">
@@ -5355,7 +5457,7 @@
         </p:nvSpPr>
         <p:spPr bwMode="auto">
           <a:xfrm>
-            <a:off x="1540874" y="904141"/>
+            <a:off x="1619672" y="1318821"/>
             <a:ext cx="2503634" cy="400110"/>
           </a:xfrm>
           <a:prstGeom prst="rect">
@@ -5410,1098 +5512,6 @@
       </p:sp>
       <p:sp>
         <p:nvSpPr>
-          <p:cNvPr id="16" name="직사각형 15">
-            <a:extLst>
-              <a:ext uri="{FF2B5EF4-FFF2-40B4-BE49-F238E27FC236}">
-                <a16:creationId xmlns:a16="http://schemas.microsoft.com/office/drawing/2014/main" id="{1E73AEA7-3361-E208-4764-10AB1C33B087}"/>
-              </a:ext>
-            </a:extLst>
-          </p:cNvPr>
-          <p:cNvSpPr/>
-          <p:nvPr/>
-        </p:nvSpPr>
-        <p:spPr bwMode="auto">
-          <a:xfrm>
-            <a:off x="1941525" y="1477923"/>
-            <a:ext cx="2016224" cy="2504330"/>
-          </a:xfrm>
-          <a:prstGeom prst="rect">
-            <a:avLst/>
-          </a:prstGeom>
-          <a:solidFill>
-            <a:srgbClr val="FFFFCC"/>
-          </a:solidFill>
-          <a:ln w="9525" cap="flat" cmpd="sng" algn="ctr">
-            <a:noFill/>
-            <a:prstDash val="solid"/>
-            <a:round/>
-            <a:headEnd type="none" w="med" len="med"/>
-            <a:tailEnd type="none" w="med" len="med"/>
-          </a:ln>
-          <a:effectLst/>
-        </p:spPr>
-        <p:txBody>
-          <a:bodyPr vert="horz" wrap="square" lIns="91440" tIns="45720" rIns="91440" bIns="45720" numCol="1" rtlCol="0" anchor="ctr" anchorCtr="0" compatLnSpc="1">
-            <a:prstTxWarp prst="textNoShape">
-              <a:avLst/>
-            </a:prstTxWarp>
-            <a:spAutoFit/>
-          </a:bodyPr>
-          <a:lstStyle/>
-          <a:p>
-            <a:pPr marL="0" marR="0" indent="0" algn="ctr" defTabSz="914400" rtl="0" eaLnBrk="1" fontAlgn="base" latinLnBrk="1" hangingPunct="1">
-              <a:lnSpc>
-                <a:spcPct val="100000"/>
-              </a:lnSpc>
-              <a:spcBef>
-                <a:spcPct val="50000"/>
-              </a:spcBef>
-              <a:spcAft>
-                <a:spcPct val="0"/>
-              </a:spcAft>
-              <a:buClrTx/>
-              <a:buSzTx/>
-              <a:buFontTx/>
-              <a:buNone/>
-              <a:tabLst/>
-            </a:pPr>
-            <a:endParaRPr kumimoji="1" lang="ko-KR" altLang="en-US" sz="800" b="0" i="0" u="none" strike="noStrike" cap="none" normalizeH="0" baseline="0" dirty="0">
-              <a:ln>
-                <a:noFill/>
-              </a:ln>
-              <a:solidFill>
-                <a:schemeClr val="tx1"/>
-              </a:solidFill>
-              <a:effectLst/>
-              <a:latin typeface="굴림" pitchFamily="50" charset="-127"/>
-              <a:ea typeface="굴림" pitchFamily="50" charset="-127"/>
-            </a:endParaRPr>
-          </a:p>
-        </p:txBody>
-      </p:sp>
-      <p:sp>
-        <p:nvSpPr>
-          <p:cNvPr id="17" name="직사각형 16">
-            <a:extLst>
-              <a:ext uri="{FF2B5EF4-FFF2-40B4-BE49-F238E27FC236}">
-                <a16:creationId xmlns:a16="http://schemas.microsoft.com/office/drawing/2014/main" id="{2829F79A-1C74-1F04-23D6-D23F87F9E7F7}"/>
-              </a:ext>
-            </a:extLst>
-          </p:cNvPr>
-          <p:cNvSpPr/>
-          <p:nvPr/>
-        </p:nvSpPr>
-        <p:spPr bwMode="auto">
-          <a:xfrm>
-            <a:off x="4303423" y="1484972"/>
-            <a:ext cx="2232248" cy="2504330"/>
-          </a:xfrm>
-          <a:prstGeom prst="rect">
-            <a:avLst/>
-          </a:prstGeom>
-          <a:solidFill>
-            <a:srgbClr val="FFFFCC"/>
-          </a:solidFill>
-          <a:ln w="9525" cap="flat" cmpd="sng" algn="ctr">
-            <a:noFill/>
-            <a:prstDash val="solid"/>
-            <a:round/>
-            <a:headEnd type="none" w="med" len="med"/>
-            <a:tailEnd type="none" w="med" len="med"/>
-          </a:ln>
-          <a:effectLst/>
-        </p:spPr>
-        <p:txBody>
-          <a:bodyPr vert="horz" wrap="square" lIns="91440" tIns="45720" rIns="91440" bIns="45720" numCol="1" rtlCol="0" anchor="ctr" anchorCtr="0" compatLnSpc="1">
-            <a:prstTxWarp prst="textNoShape">
-              <a:avLst/>
-            </a:prstTxWarp>
-            <a:spAutoFit/>
-          </a:bodyPr>
-          <a:lstStyle/>
-          <a:p>
-            <a:pPr marL="0" marR="0" indent="0" algn="ctr" defTabSz="914400" rtl="0" eaLnBrk="1" fontAlgn="base" latinLnBrk="1" hangingPunct="1">
-              <a:lnSpc>
-                <a:spcPct val="100000"/>
-              </a:lnSpc>
-              <a:spcBef>
-                <a:spcPct val="50000"/>
-              </a:spcBef>
-              <a:spcAft>
-                <a:spcPct val="0"/>
-              </a:spcAft>
-              <a:buClrTx/>
-              <a:buSzTx/>
-              <a:buFontTx/>
-              <a:buNone/>
-              <a:tabLst/>
-            </a:pPr>
-            <a:endParaRPr kumimoji="1" lang="ko-KR" altLang="en-US" sz="800" b="0" i="0" u="none" strike="noStrike" cap="none" normalizeH="0" baseline="0">
-              <a:ln>
-                <a:noFill/>
-              </a:ln>
-              <a:solidFill>
-                <a:schemeClr val="tx1"/>
-              </a:solidFill>
-              <a:effectLst/>
-              <a:latin typeface="굴림" pitchFamily="50" charset="-127"/>
-              <a:ea typeface="굴림" pitchFamily="50" charset="-127"/>
-            </a:endParaRPr>
-          </a:p>
-        </p:txBody>
-      </p:sp>
-      <p:sp>
-        <p:nvSpPr>
-          <p:cNvPr id="18" name="직사각형 17">
-            <a:extLst>
-              <a:ext uri="{FF2B5EF4-FFF2-40B4-BE49-F238E27FC236}">
-                <a16:creationId xmlns:a16="http://schemas.microsoft.com/office/drawing/2014/main" id="{177DD6D5-3481-21C7-2FF5-B96260453F45}"/>
-              </a:ext>
-            </a:extLst>
-          </p:cNvPr>
-          <p:cNvSpPr/>
-          <p:nvPr/>
-        </p:nvSpPr>
-        <p:spPr bwMode="auto">
-          <a:xfrm>
-            <a:off x="6948264" y="1486267"/>
-            <a:ext cx="2088232" cy="2525643"/>
-          </a:xfrm>
-          <a:prstGeom prst="rect">
-            <a:avLst/>
-          </a:prstGeom>
-          <a:solidFill>
-            <a:srgbClr val="FFFFCC"/>
-          </a:solidFill>
-          <a:ln w="9525" cap="flat" cmpd="sng" algn="ctr">
-            <a:noFill/>
-            <a:prstDash val="solid"/>
-            <a:round/>
-            <a:headEnd type="none" w="med" len="med"/>
-            <a:tailEnd type="none" w="med" len="med"/>
-          </a:ln>
-          <a:effectLst/>
-        </p:spPr>
-        <p:txBody>
-          <a:bodyPr vert="horz" wrap="square" lIns="91440" tIns="45720" rIns="91440" bIns="45720" numCol="1" rtlCol="0" anchor="ctr" anchorCtr="0" compatLnSpc="1">
-            <a:prstTxWarp prst="textNoShape">
-              <a:avLst/>
-            </a:prstTxWarp>
-            <a:spAutoFit/>
-          </a:bodyPr>
-          <a:lstStyle/>
-          <a:p>
-            <a:pPr marL="0" marR="0" indent="0" algn="ctr" defTabSz="914400" rtl="0" eaLnBrk="1" fontAlgn="base" latinLnBrk="1" hangingPunct="1">
-              <a:lnSpc>
-                <a:spcPct val="100000"/>
-              </a:lnSpc>
-              <a:spcBef>
-                <a:spcPct val="50000"/>
-              </a:spcBef>
-              <a:spcAft>
-                <a:spcPct val="0"/>
-              </a:spcAft>
-              <a:buClrTx/>
-              <a:buSzTx/>
-              <a:buFontTx/>
-              <a:buNone/>
-              <a:tabLst/>
-            </a:pPr>
-            <a:endParaRPr kumimoji="1" lang="ko-KR" altLang="en-US" sz="800" b="0" i="0" u="none" strike="noStrike" cap="none" normalizeH="0" baseline="0">
-              <a:ln>
-                <a:noFill/>
-              </a:ln>
-              <a:solidFill>
-                <a:schemeClr val="tx1"/>
-              </a:solidFill>
-              <a:effectLst/>
-              <a:latin typeface="굴림" pitchFamily="50" charset="-127"/>
-              <a:ea typeface="굴림" pitchFamily="50" charset="-127"/>
-            </a:endParaRPr>
-          </a:p>
-        </p:txBody>
-      </p:sp>
-      <p:sp>
-        <p:nvSpPr>
-          <p:cNvPr id="19" name="직사각형 18">
-            <a:extLst>
-              <a:ext uri="{FF2B5EF4-FFF2-40B4-BE49-F238E27FC236}">
-                <a16:creationId xmlns:a16="http://schemas.microsoft.com/office/drawing/2014/main" id="{72EA1BC4-8CFB-25C1-BC80-E9731CFEE7C3}"/>
-              </a:ext>
-            </a:extLst>
-          </p:cNvPr>
-          <p:cNvSpPr/>
-          <p:nvPr/>
-        </p:nvSpPr>
-        <p:spPr bwMode="auto">
-          <a:xfrm>
-            <a:off x="1949628" y="1480961"/>
-            <a:ext cx="554966" cy="307777"/>
-          </a:xfrm>
-          <a:prstGeom prst="rect">
-            <a:avLst/>
-          </a:prstGeom>
-          <a:noFill/>
-          <a:ln w="9525" cap="flat" cmpd="sng" algn="ctr">
-            <a:noFill/>
-            <a:prstDash val="solid"/>
-            <a:round/>
-            <a:headEnd type="none" w="med" len="med"/>
-            <a:tailEnd type="none" w="med" len="med"/>
-          </a:ln>
-          <a:effectLst/>
-        </p:spPr>
-        <p:txBody>
-          <a:bodyPr vert="horz" wrap="square" lIns="91440" tIns="45720" rIns="91440" bIns="45720" numCol="1" rtlCol="0" anchor="ctr" anchorCtr="0" compatLnSpc="1">
-            <a:prstTxWarp prst="textNoShape">
-              <a:avLst/>
-            </a:prstTxWarp>
-            <a:spAutoFit/>
-          </a:bodyPr>
-          <a:lstStyle/>
-          <a:p>
-            <a:pPr marL="0" marR="0" indent="0" algn="ctr" defTabSz="914400" rtl="0" eaLnBrk="1" fontAlgn="base" latinLnBrk="1" hangingPunct="1">
-              <a:lnSpc>
-                <a:spcPct val="100000"/>
-              </a:lnSpc>
-              <a:spcBef>
-                <a:spcPct val="50000"/>
-              </a:spcBef>
-              <a:spcAft>
-                <a:spcPct val="0"/>
-              </a:spcAft>
-              <a:buClrTx/>
-              <a:buSzTx/>
-              <a:buFontTx/>
-              <a:buNone/>
-              <a:tabLst/>
-            </a:pPr>
-            <a:r>
-              <a:rPr kumimoji="1" lang="ko-KR" altLang="en-US" sz="1400" b="1" i="0" u="none" strike="noStrike" cap="none" normalizeH="0" baseline="0" dirty="0">
-                <a:ln>
-                  <a:noFill/>
-                </a:ln>
-                <a:solidFill>
-                  <a:schemeClr val="tx1"/>
-                </a:solidFill>
-                <a:effectLst/>
-                <a:latin typeface="굴림" pitchFamily="50" charset="-127"/>
-                <a:ea typeface="굴림" pitchFamily="50" charset="-127"/>
-              </a:rPr>
-              <a:t>제목</a:t>
-            </a:r>
-          </a:p>
-        </p:txBody>
-      </p:sp>
-      <p:sp>
-        <p:nvSpPr>
-          <p:cNvPr id="20" name="직사각형 19">
-            <a:extLst>
-              <a:ext uri="{FF2B5EF4-FFF2-40B4-BE49-F238E27FC236}">
-                <a16:creationId xmlns:a16="http://schemas.microsoft.com/office/drawing/2014/main" id="{1B90419D-7A69-1A4B-1241-F8A734CD9B78}"/>
-              </a:ext>
-            </a:extLst>
-          </p:cNvPr>
-          <p:cNvSpPr/>
-          <p:nvPr/>
-        </p:nvSpPr>
-        <p:spPr bwMode="auto">
-          <a:xfrm>
-            <a:off x="2314859" y="2383194"/>
-            <a:ext cx="1210589" cy="707886"/>
-          </a:xfrm>
-          <a:prstGeom prst="rect">
-            <a:avLst/>
-          </a:prstGeom>
-          <a:noFill/>
-          <a:ln w="9525" cap="flat" cmpd="sng" algn="ctr">
-            <a:noFill/>
-            <a:prstDash val="solid"/>
-            <a:round/>
-            <a:headEnd type="none" w="med" len="med"/>
-            <a:tailEnd type="none" w="med" len="med"/>
-          </a:ln>
-          <a:effectLst/>
-        </p:spPr>
-        <p:txBody>
-          <a:bodyPr vert="horz" wrap="none" lIns="91440" tIns="45720" rIns="91440" bIns="45720" numCol="1" rtlCol="0" anchor="ctr" anchorCtr="0" compatLnSpc="1">
-            <a:prstTxWarp prst="textNoShape">
-              <a:avLst/>
-            </a:prstTxWarp>
-            <a:spAutoFit/>
-          </a:bodyPr>
-          <a:lstStyle/>
-          <a:p>
-            <a:pPr marL="0" marR="0" indent="0" algn="ctr" defTabSz="914400" rtl="0" eaLnBrk="1" fontAlgn="base" latinLnBrk="1" hangingPunct="1">
-              <a:lnSpc>
-                <a:spcPct val="100000"/>
-              </a:lnSpc>
-              <a:spcBef>
-                <a:spcPct val="50000"/>
-              </a:spcBef>
-              <a:spcAft>
-                <a:spcPct val="0"/>
-              </a:spcAft>
-              <a:buClrTx/>
-              <a:buSzTx/>
-              <a:buFontTx/>
-              <a:buNone/>
-              <a:tabLst/>
-            </a:pPr>
-            <a:r>
-              <a:rPr kumimoji="1" lang="ko-KR" altLang="en-US" sz="4000" b="0" i="0" u="none" strike="noStrike" cap="none" normalizeH="0" baseline="0" dirty="0">
-                <a:ln>
-                  <a:noFill/>
-                </a:ln>
-                <a:solidFill>
-                  <a:schemeClr val="tx1"/>
-                </a:solidFill>
-                <a:effectLst/>
-                <a:latin typeface="굴림" pitchFamily="50" charset="-127"/>
-                <a:ea typeface="굴림" pitchFamily="50" charset="-127"/>
-              </a:rPr>
-              <a:t>내용</a:t>
-            </a:r>
-          </a:p>
-        </p:txBody>
-      </p:sp>
-      <p:sp>
-        <p:nvSpPr>
-          <p:cNvPr id="21" name="직사각형 20">
-            <a:extLst>
-              <a:ext uri="{FF2B5EF4-FFF2-40B4-BE49-F238E27FC236}">
-                <a16:creationId xmlns:a16="http://schemas.microsoft.com/office/drawing/2014/main" id="{AEDDFF77-5CD6-B9CE-0C66-CF06A451ADA8}"/>
-              </a:ext>
-            </a:extLst>
-          </p:cNvPr>
-          <p:cNvSpPr/>
-          <p:nvPr/>
-        </p:nvSpPr>
-        <p:spPr bwMode="auto">
-          <a:xfrm>
-            <a:off x="2390564" y="1573409"/>
-            <a:ext cx="705642" cy="215444"/>
-          </a:xfrm>
-          <a:prstGeom prst="rect">
-            <a:avLst/>
-          </a:prstGeom>
-          <a:noFill/>
-          <a:ln w="9525" cap="flat" cmpd="sng" algn="ctr">
-            <a:noFill/>
-            <a:prstDash val="solid"/>
-            <a:round/>
-            <a:headEnd type="none" w="med" len="med"/>
-            <a:tailEnd type="none" w="med" len="med"/>
-          </a:ln>
-          <a:effectLst/>
-        </p:spPr>
-        <p:txBody>
-          <a:bodyPr vert="horz" wrap="none" lIns="91440" tIns="45720" rIns="91440" bIns="45720" numCol="1" rtlCol="0" anchor="ctr" anchorCtr="0" compatLnSpc="1">
-            <a:prstTxWarp prst="textNoShape">
-              <a:avLst/>
-            </a:prstTxWarp>
-            <a:spAutoFit/>
-          </a:bodyPr>
-          <a:lstStyle/>
-          <a:p>
-            <a:pPr marL="0" marR="0" indent="0" algn="ctr" defTabSz="914400" rtl="0" eaLnBrk="1" fontAlgn="base" latinLnBrk="1" hangingPunct="1">
-              <a:lnSpc>
-                <a:spcPct val="100000"/>
-              </a:lnSpc>
-              <a:spcBef>
-                <a:spcPct val="50000"/>
-              </a:spcBef>
-              <a:spcAft>
-                <a:spcPct val="0"/>
-              </a:spcAft>
-              <a:buClrTx/>
-              <a:buSzTx/>
-              <a:buFontTx/>
-              <a:buNone/>
-              <a:tabLst/>
-            </a:pPr>
-            <a:r>
-              <a:rPr lang="en-US" altLang="ko-KR" b="1" dirty="0"/>
-              <a:t>#</a:t>
-            </a:r>
-            <a:r>
-              <a:rPr lang="ko-KR" altLang="en-US" b="1" dirty="0"/>
-              <a:t> 카테고리</a:t>
-            </a:r>
-            <a:endParaRPr kumimoji="1" lang="ko-KR" altLang="en-US" sz="800" b="1" i="0" u="none" strike="noStrike" cap="none" normalizeH="0" baseline="0" dirty="0">
-              <a:ln>
-                <a:noFill/>
-              </a:ln>
-              <a:solidFill>
-                <a:schemeClr val="tx1"/>
-              </a:solidFill>
-              <a:effectLst/>
-              <a:latin typeface="굴림" pitchFamily="50" charset="-127"/>
-              <a:ea typeface="굴림" pitchFamily="50" charset="-127"/>
-            </a:endParaRPr>
-          </a:p>
-        </p:txBody>
-      </p:sp>
-      <p:sp>
-        <p:nvSpPr>
-          <p:cNvPr id="22" name="직사각형 21">
-            <a:extLst>
-              <a:ext uri="{FF2B5EF4-FFF2-40B4-BE49-F238E27FC236}">
-                <a16:creationId xmlns:a16="http://schemas.microsoft.com/office/drawing/2014/main" id="{5FC333A6-D60D-19AE-3242-9E6C7219AD01}"/>
-              </a:ext>
-            </a:extLst>
-          </p:cNvPr>
-          <p:cNvSpPr/>
-          <p:nvPr/>
-        </p:nvSpPr>
-        <p:spPr bwMode="auto">
-          <a:xfrm>
-            <a:off x="3339087" y="1458060"/>
-            <a:ext cx="628698" cy="215444"/>
-          </a:xfrm>
-          <a:prstGeom prst="rect">
-            <a:avLst/>
-          </a:prstGeom>
-          <a:noFill/>
-          <a:ln w="9525" cap="flat" cmpd="sng" algn="ctr">
-            <a:noFill/>
-            <a:prstDash val="solid"/>
-            <a:round/>
-            <a:headEnd type="none" w="med" len="med"/>
-            <a:tailEnd type="none" w="med" len="med"/>
-          </a:ln>
-          <a:effectLst/>
-        </p:spPr>
-        <p:txBody>
-          <a:bodyPr vert="horz" wrap="none" lIns="91440" tIns="45720" rIns="91440" bIns="45720" numCol="1" rtlCol="0" anchor="ctr" anchorCtr="0" compatLnSpc="1">
-            <a:prstTxWarp prst="textNoShape">
-              <a:avLst/>
-            </a:prstTxWarp>
-            <a:spAutoFit/>
-          </a:bodyPr>
-          <a:lstStyle/>
-          <a:p>
-            <a:pPr marL="0" marR="0" indent="0" algn="ctr" defTabSz="914400" rtl="0" eaLnBrk="1" fontAlgn="base" latinLnBrk="1" hangingPunct="1">
-              <a:lnSpc>
-                <a:spcPct val="100000"/>
-              </a:lnSpc>
-              <a:spcBef>
-                <a:spcPct val="50000"/>
-              </a:spcBef>
-              <a:spcAft>
-                <a:spcPct val="0"/>
-              </a:spcAft>
-              <a:buClrTx/>
-              <a:buSzTx/>
-              <a:buFontTx/>
-              <a:buNone/>
-              <a:tabLst/>
-            </a:pPr>
-            <a:r>
-              <a:rPr kumimoji="1" lang="ko-KR" altLang="en-US" sz="800" b="1" i="0" u="none" strike="noStrike" cap="none" normalizeH="0" baseline="0" dirty="0">
-                <a:ln>
-                  <a:noFill/>
-                </a:ln>
-                <a:solidFill>
-                  <a:schemeClr val="tx1"/>
-                </a:solidFill>
-                <a:effectLst/>
-                <a:latin typeface="굴림" pitchFamily="50" charset="-127"/>
-                <a:ea typeface="굴림" pitchFamily="50" charset="-127"/>
-              </a:rPr>
-              <a:t>작성 날짜</a:t>
-            </a:r>
-          </a:p>
-        </p:txBody>
-      </p:sp>
-      <p:sp>
-        <p:nvSpPr>
-          <p:cNvPr id="26" name="직사각형 25">
-            <a:extLst>
-              <a:ext uri="{FF2B5EF4-FFF2-40B4-BE49-F238E27FC236}">
-                <a16:creationId xmlns:a16="http://schemas.microsoft.com/office/drawing/2014/main" id="{CE7F6247-604D-B50C-208B-B04538C0A514}"/>
-              </a:ext>
-            </a:extLst>
-          </p:cNvPr>
-          <p:cNvSpPr/>
-          <p:nvPr/>
-        </p:nvSpPr>
-        <p:spPr bwMode="auto">
-          <a:xfrm>
-            <a:off x="4323601" y="1494311"/>
-            <a:ext cx="554966" cy="307777"/>
-          </a:xfrm>
-          <a:prstGeom prst="rect">
-            <a:avLst/>
-          </a:prstGeom>
-          <a:noFill/>
-          <a:ln w="9525" cap="flat" cmpd="sng" algn="ctr">
-            <a:noFill/>
-            <a:prstDash val="solid"/>
-            <a:round/>
-            <a:headEnd type="none" w="med" len="med"/>
-            <a:tailEnd type="none" w="med" len="med"/>
-          </a:ln>
-          <a:effectLst/>
-        </p:spPr>
-        <p:txBody>
-          <a:bodyPr vert="horz" wrap="square" lIns="91440" tIns="45720" rIns="91440" bIns="45720" numCol="1" rtlCol="0" anchor="ctr" anchorCtr="0" compatLnSpc="1">
-            <a:prstTxWarp prst="textNoShape">
-              <a:avLst/>
-            </a:prstTxWarp>
-            <a:spAutoFit/>
-          </a:bodyPr>
-          <a:lstStyle/>
-          <a:p>
-            <a:pPr marL="0" marR="0" indent="0" algn="ctr" defTabSz="914400" rtl="0" eaLnBrk="1" fontAlgn="base" latinLnBrk="1" hangingPunct="1">
-              <a:lnSpc>
-                <a:spcPct val="100000"/>
-              </a:lnSpc>
-              <a:spcBef>
-                <a:spcPct val="50000"/>
-              </a:spcBef>
-              <a:spcAft>
-                <a:spcPct val="0"/>
-              </a:spcAft>
-              <a:buClrTx/>
-              <a:buSzTx/>
-              <a:buFontTx/>
-              <a:buNone/>
-              <a:tabLst/>
-            </a:pPr>
-            <a:r>
-              <a:rPr kumimoji="1" lang="ko-KR" altLang="en-US" sz="1400" b="1" i="0" u="none" strike="noStrike" cap="none" normalizeH="0" baseline="0" dirty="0">
-                <a:ln>
-                  <a:noFill/>
-                </a:ln>
-                <a:solidFill>
-                  <a:schemeClr val="tx1"/>
-                </a:solidFill>
-                <a:effectLst/>
-                <a:latin typeface="굴림" pitchFamily="50" charset="-127"/>
-                <a:ea typeface="굴림" pitchFamily="50" charset="-127"/>
-              </a:rPr>
-              <a:t>제목</a:t>
-            </a:r>
-          </a:p>
-        </p:txBody>
-      </p:sp>
-      <p:sp>
-        <p:nvSpPr>
-          <p:cNvPr id="27" name="직사각형 26">
-            <a:extLst>
-              <a:ext uri="{FF2B5EF4-FFF2-40B4-BE49-F238E27FC236}">
-                <a16:creationId xmlns:a16="http://schemas.microsoft.com/office/drawing/2014/main" id="{91B2D6D6-0547-E30C-19FA-4890228039DC}"/>
-              </a:ext>
-            </a:extLst>
-          </p:cNvPr>
-          <p:cNvSpPr/>
-          <p:nvPr/>
-        </p:nvSpPr>
-        <p:spPr bwMode="auto">
-          <a:xfrm>
-            <a:off x="6979299" y="1494311"/>
-            <a:ext cx="554966" cy="307777"/>
-          </a:xfrm>
-          <a:prstGeom prst="rect">
-            <a:avLst/>
-          </a:prstGeom>
-          <a:noFill/>
-          <a:ln w="9525" cap="flat" cmpd="sng" algn="ctr">
-            <a:noFill/>
-            <a:prstDash val="solid"/>
-            <a:round/>
-            <a:headEnd type="none" w="med" len="med"/>
-            <a:tailEnd type="none" w="med" len="med"/>
-          </a:ln>
-          <a:effectLst/>
-        </p:spPr>
-        <p:txBody>
-          <a:bodyPr vert="horz" wrap="square" lIns="91440" tIns="45720" rIns="91440" bIns="45720" numCol="1" rtlCol="0" anchor="ctr" anchorCtr="0" compatLnSpc="1">
-            <a:prstTxWarp prst="textNoShape">
-              <a:avLst/>
-            </a:prstTxWarp>
-            <a:spAutoFit/>
-          </a:bodyPr>
-          <a:lstStyle/>
-          <a:p>
-            <a:pPr marL="0" marR="0" indent="0" algn="ctr" defTabSz="914400" rtl="0" eaLnBrk="1" fontAlgn="base" latinLnBrk="1" hangingPunct="1">
-              <a:lnSpc>
-                <a:spcPct val="100000"/>
-              </a:lnSpc>
-              <a:spcBef>
-                <a:spcPct val="50000"/>
-              </a:spcBef>
-              <a:spcAft>
-                <a:spcPct val="0"/>
-              </a:spcAft>
-              <a:buClrTx/>
-              <a:buSzTx/>
-              <a:buFontTx/>
-              <a:buNone/>
-              <a:tabLst/>
-            </a:pPr>
-            <a:r>
-              <a:rPr kumimoji="1" lang="ko-KR" altLang="en-US" sz="1400" b="1" i="0" u="none" strike="noStrike" cap="none" normalizeH="0" baseline="0" dirty="0">
-                <a:ln>
-                  <a:noFill/>
-                </a:ln>
-                <a:solidFill>
-                  <a:schemeClr val="tx1"/>
-                </a:solidFill>
-                <a:effectLst/>
-                <a:latin typeface="굴림" pitchFamily="50" charset="-127"/>
-                <a:ea typeface="굴림" pitchFamily="50" charset="-127"/>
-              </a:rPr>
-              <a:t>제목</a:t>
-            </a:r>
-          </a:p>
-        </p:txBody>
-      </p:sp>
-      <p:sp>
-        <p:nvSpPr>
-          <p:cNvPr id="29" name="직사각형 28">
-            <a:extLst>
-              <a:ext uri="{FF2B5EF4-FFF2-40B4-BE49-F238E27FC236}">
-                <a16:creationId xmlns:a16="http://schemas.microsoft.com/office/drawing/2014/main" id="{377D9B83-25A7-A163-241E-1B53138284BA}"/>
-              </a:ext>
-            </a:extLst>
-          </p:cNvPr>
-          <p:cNvSpPr/>
-          <p:nvPr/>
-        </p:nvSpPr>
-        <p:spPr bwMode="auto">
-          <a:xfrm>
-            <a:off x="8445986" y="1477923"/>
-            <a:ext cx="628698" cy="215444"/>
-          </a:xfrm>
-          <a:prstGeom prst="rect">
-            <a:avLst/>
-          </a:prstGeom>
-          <a:noFill/>
-          <a:ln w="9525" cap="flat" cmpd="sng" algn="ctr">
-            <a:noFill/>
-            <a:prstDash val="solid"/>
-            <a:round/>
-            <a:headEnd type="none" w="med" len="med"/>
-            <a:tailEnd type="none" w="med" len="med"/>
-          </a:ln>
-          <a:effectLst/>
-        </p:spPr>
-        <p:txBody>
-          <a:bodyPr vert="horz" wrap="none" lIns="91440" tIns="45720" rIns="91440" bIns="45720" numCol="1" rtlCol="0" anchor="ctr" anchorCtr="0" compatLnSpc="1">
-            <a:prstTxWarp prst="textNoShape">
-              <a:avLst/>
-            </a:prstTxWarp>
-            <a:spAutoFit/>
-          </a:bodyPr>
-          <a:lstStyle/>
-          <a:p>
-            <a:pPr marL="0" marR="0" indent="0" algn="ctr" defTabSz="914400" rtl="0" eaLnBrk="1" fontAlgn="base" latinLnBrk="1" hangingPunct="1">
-              <a:lnSpc>
-                <a:spcPct val="100000"/>
-              </a:lnSpc>
-              <a:spcBef>
-                <a:spcPct val="50000"/>
-              </a:spcBef>
-              <a:spcAft>
-                <a:spcPct val="0"/>
-              </a:spcAft>
-              <a:buClrTx/>
-              <a:buSzTx/>
-              <a:buFontTx/>
-              <a:buNone/>
-              <a:tabLst/>
-            </a:pPr>
-            <a:r>
-              <a:rPr kumimoji="1" lang="ko-KR" altLang="en-US" sz="800" b="1" i="0" u="none" strike="noStrike" cap="none" normalizeH="0" baseline="0" dirty="0">
-                <a:ln>
-                  <a:noFill/>
-                </a:ln>
-                <a:solidFill>
-                  <a:schemeClr val="tx1"/>
-                </a:solidFill>
-                <a:effectLst/>
-                <a:latin typeface="굴림" pitchFamily="50" charset="-127"/>
-                <a:ea typeface="굴림" pitchFamily="50" charset="-127"/>
-              </a:rPr>
-              <a:t>작성 날짜</a:t>
-            </a:r>
-          </a:p>
-        </p:txBody>
-      </p:sp>
-      <p:sp>
-        <p:nvSpPr>
-          <p:cNvPr id="30" name="직사각형 29">
-            <a:extLst>
-              <a:ext uri="{FF2B5EF4-FFF2-40B4-BE49-F238E27FC236}">
-                <a16:creationId xmlns:a16="http://schemas.microsoft.com/office/drawing/2014/main" id="{594998C6-3A5F-452E-ECB1-D66589A164D2}"/>
-              </a:ext>
-            </a:extLst>
-          </p:cNvPr>
-          <p:cNvSpPr/>
-          <p:nvPr/>
-        </p:nvSpPr>
-        <p:spPr bwMode="auto">
-          <a:xfrm>
-            <a:off x="5925460" y="1470956"/>
-            <a:ext cx="628698" cy="215444"/>
-          </a:xfrm>
-          <a:prstGeom prst="rect">
-            <a:avLst/>
-          </a:prstGeom>
-          <a:noFill/>
-          <a:ln w="9525" cap="flat" cmpd="sng" algn="ctr">
-            <a:noFill/>
-            <a:prstDash val="solid"/>
-            <a:round/>
-            <a:headEnd type="none" w="med" len="med"/>
-            <a:tailEnd type="none" w="med" len="med"/>
-          </a:ln>
-          <a:effectLst/>
-        </p:spPr>
-        <p:txBody>
-          <a:bodyPr vert="horz" wrap="none" lIns="91440" tIns="45720" rIns="91440" bIns="45720" numCol="1" rtlCol="0" anchor="ctr" anchorCtr="0" compatLnSpc="1">
-            <a:prstTxWarp prst="textNoShape">
-              <a:avLst/>
-            </a:prstTxWarp>
-            <a:spAutoFit/>
-          </a:bodyPr>
-          <a:lstStyle/>
-          <a:p>
-            <a:pPr marL="0" marR="0" indent="0" algn="ctr" defTabSz="914400" rtl="0" eaLnBrk="1" fontAlgn="base" latinLnBrk="1" hangingPunct="1">
-              <a:lnSpc>
-                <a:spcPct val="100000"/>
-              </a:lnSpc>
-              <a:spcBef>
-                <a:spcPct val="50000"/>
-              </a:spcBef>
-              <a:spcAft>
-                <a:spcPct val="0"/>
-              </a:spcAft>
-              <a:buClrTx/>
-              <a:buSzTx/>
-              <a:buFontTx/>
-              <a:buNone/>
-              <a:tabLst/>
-            </a:pPr>
-            <a:r>
-              <a:rPr kumimoji="1" lang="ko-KR" altLang="en-US" sz="800" b="1" i="0" u="none" strike="noStrike" cap="none" normalizeH="0" baseline="0" dirty="0">
-                <a:ln>
-                  <a:noFill/>
-                </a:ln>
-                <a:solidFill>
-                  <a:schemeClr val="tx1"/>
-                </a:solidFill>
-                <a:effectLst/>
-                <a:latin typeface="굴림" pitchFamily="50" charset="-127"/>
-                <a:ea typeface="굴림" pitchFamily="50" charset="-127"/>
-              </a:rPr>
-              <a:t>작성 날짜</a:t>
-            </a:r>
-          </a:p>
-        </p:txBody>
-      </p:sp>
-      <p:sp>
-        <p:nvSpPr>
-          <p:cNvPr id="31" name="직사각형 30">
-            <a:extLst>
-              <a:ext uri="{FF2B5EF4-FFF2-40B4-BE49-F238E27FC236}">
-                <a16:creationId xmlns:a16="http://schemas.microsoft.com/office/drawing/2014/main" id="{C5B3C802-D2BD-7068-0B85-46B73F41F124}"/>
-              </a:ext>
-            </a:extLst>
-          </p:cNvPr>
-          <p:cNvSpPr/>
-          <p:nvPr/>
-        </p:nvSpPr>
-        <p:spPr bwMode="auto">
-          <a:xfrm>
-            <a:off x="7390061" y="1592285"/>
-            <a:ext cx="705642" cy="215444"/>
-          </a:xfrm>
-          <a:prstGeom prst="rect">
-            <a:avLst/>
-          </a:prstGeom>
-          <a:noFill/>
-          <a:ln w="9525" cap="flat" cmpd="sng" algn="ctr">
-            <a:noFill/>
-            <a:prstDash val="solid"/>
-            <a:round/>
-            <a:headEnd type="none" w="med" len="med"/>
-            <a:tailEnd type="none" w="med" len="med"/>
-          </a:ln>
-          <a:effectLst/>
-        </p:spPr>
-        <p:txBody>
-          <a:bodyPr vert="horz" wrap="none" lIns="91440" tIns="45720" rIns="91440" bIns="45720" numCol="1" rtlCol="0" anchor="ctr" anchorCtr="0" compatLnSpc="1">
-            <a:prstTxWarp prst="textNoShape">
-              <a:avLst/>
-            </a:prstTxWarp>
-            <a:spAutoFit/>
-          </a:bodyPr>
-          <a:lstStyle/>
-          <a:p>
-            <a:pPr marL="0" marR="0" indent="0" algn="ctr" defTabSz="914400" rtl="0" eaLnBrk="1" fontAlgn="base" latinLnBrk="1" hangingPunct="1">
-              <a:lnSpc>
-                <a:spcPct val="100000"/>
-              </a:lnSpc>
-              <a:spcBef>
-                <a:spcPct val="50000"/>
-              </a:spcBef>
-              <a:spcAft>
-                <a:spcPct val="0"/>
-              </a:spcAft>
-              <a:buClrTx/>
-              <a:buSzTx/>
-              <a:buFontTx/>
-              <a:buNone/>
-              <a:tabLst/>
-            </a:pPr>
-            <a:r>
-              <a:rPr lang="en-US" altLang="ko-KR" b="1" dirty="0"/>
-              <a:t>#</a:t>
-            </a:r>
-            <a:r>
-              <a:rPr lang="ko-KR" altLang="en-US" b="1" dirty="0"/>
-              <a:t> 카테고리</a:t>
-            </a:r>
-            <a:endParaRPr kumimoji="1" lang="ko-KR" altLang="en-US" sz="800" b="1" i="0" u="none" strike="noStrike" cap="none" normalizeH="0" baseline="0" dirty="0">
-              <a:ln>
-                <a:noFill/>
-              </a:ln>
-              <a:solidFill>
-                <a:schemeClr val="tx1"/>
-              </a:solidFill>
-              <a:effectLst/>
-              <a:latin typeface="굴림" pitchFamily="50" charset="-127"/>
-              <a:ea typeface="굴림" pitchFamily="50" charset="-127"/>
-            </a:endParaRPr>
-          </a:p>
-        </p:txBody>
-      </p:sp>
-      <p:sp>
-        <p:nvSpPr>
-          <p:cNvPr id="32" name="직사각형 31">
-            <a:extLst>
-              <a:ext uri="{FF2B5EF4-FFF2-40B4-BE49-F238E27FC236}">
-                <a16:creationId xmlns:a16="http://schemas.microsoft.com/office/drawing/2014/main" id="{FCC510C9-213F-18AF-8ED3-4C90B687B457}"/>
-              </a:ext>
-            </a:extLst>
-          </p:cNvPr>
-          <p:cNvSpPr/>
-          <p:nvPr/>
-        </p:nvSpPr>
-        <p:spPr bwMode="auto">
-          <a:xfrm>
-            <a:off x="4746839" y="1580172"/>
-            <a:ext cx="705642" cy="215444"/>
-          </a:xfrm>
-          <a:prstGeom prst="rect">
-            <a:avLst/>
-          </a:prstGeom>
-          <a:noFill/>
-          <a:ln w="9525" cap="flat" cmpd="sng" algn="ctr">
-            <a:noFill/>
-            <a:prstDash val="solid"/>
-            <a:round/>
-            <a:headEnd type="none" w="med" len="med"/>
-            <a:tailEnd type="none" w="med" len="med"/>
-          </a:ln>
-          <a:effectLst/>
-        </p:spPr>
-        <p:txBody>
-          <a:bodyPr vert="horz" wrap="none" lIns="91440" tIns="45720" rIns="91440" bIns="45720" numCol="1" rtlCol="0" anchor="ctr" anchorCtr="0" compatLnSpc="1">
-            <a:prstTxWarp prst="textNoShape">
-              <a:avLst/>
-            </a:prstTxWarp>
-            <a:spAutoFit/>
-          </a:bodyPr>
-          <a:lstStyle/>
-          <a:p>
-            <a:pPr marL="0" marR="0" indent="0" algn="ctr" defTabSz="914400" rtl="0" eaLnBrk="1" fontAlgn="base" latinLnBrk="1" hangingPunct="1">
-              <a:lnSpc>
-                <a:spcPct val="100000"/>
-              </a:lnSpc>
-              <a:spcBef>
-                <a:spcPct val="50000"/>
-              </a:spcBef>
-              <a:spcAft>
-                <a:spcPct val="0"/>
-              </a:spcAft>
-              <a:buClrTx/>
-              <a:buSzTx/>
-              <a:buFontTx/>
-              <a:buNone/>
-              <a:tabLst/>
-            </a:pPr>
-            <a:r>
-              <a:rPr lang="en-US" altLang="ko-KR" b="1" dirty="0"/>
-              <a:t>#</a:t>
-            </a:r>
-            <a:r>
-              <a:rPr lang="ko-KR" altLang="en-US" b="1" dirty="0"/>
-              <a:t> 카테고리</a:t>
-            </a:r>
-            <a:endParaRPr kumimoji="1" lang="ko-KR" altLang="en-US" sz="800" b="1" i="0" u="none" strike="noStrike" cap="none" normalizeH="0" baseline="0" dirty="0">
-              <a:ln>
-                <a:noFill/>
-              </a:ln>
-              <a:solidFill>
-                <a:schemeClr val="tx1"/>
-              </a:solidFill>
-              <a:effectLst/>
-              <a:latin typeface="굴림" pitchFamily="50" charset="-127"/>
-              <a:ea typeface="굴림" pitchFamily="50" charset="-127"/>
-            </a:endParaRPr>
-          </a:p>
-        </p:txBody>
-      </p:sp>
-      <p:sp>
-        <p:nvSpPr>
-          <p:cNvPr id="33" name="직사각형 32">
-            <a:extLst>
-              <a:ext uri="{FF2B5EF4-FFF2-40B4-BE49-F238E27FC236}">
-                <a16:creationId xmlns:a16="http://schemas.microsoft.com/office/drawing/2014/main" id="{624F4B6C-DB19-90D5-CEED-AFC5AC4E18A5}"/>
-              </a:ext>
-            </a:extLst>
-          </p:cNvPr>
-          <p:cNvSpPr/>
-          <p:nvPr/>
-        </p:nvSpPr>
-        <p:spPr bwMode="auto">
-          <a:xfrm>
-            <a:off x="7422013" y="2376145"/>
-            <a:ext cx="1210589" cy="707886"/>
-          </a:xfrm>
-          <a:prstGeom prst="rect">
-            <a:avLst/>
-          </a:prstGeom>
-          <a:noFill/>
-          <a:ln w="9525" cap="flat" cmpd="sng" algn="ctr">
-            <a:noFill/>
-            <a:prstDash val="solid"/>
-            <a:round/>
-            <a:headEnd type="none" w="med" len="med"/>
-            <a:tailEnd type="none" w="med" len="med"/>
-          </a:ln>
-          <a:effectLst/>
-        </p:spPr>
-        <p:txBody>
-          <a:bodyPr vert="horz" wrap="none" lIns="91440" tIns="45720" rIns="91440" bIns="45720" numCol="1" rtlCol="0" anchor="ctr" anchorCtr="0" compatLnSpc="1">
-            <a:prstTxWarp prst="textNoShape">
-              <a:avLst/>
-            </a:prstTxWarp>
-            <a:spAutoFit/>
-          </a:bodyPr>
-          <a:lstStyle/>
-          <a:p>
-            <a:pPr marL="0" marR="0" indent="0" algn="ctr" defTabSz="914400" rtl="0" eaLnBrk="1" fontAlgn="base" latinLnBrk="1" hangingPunct="1">
-              <a:lnSpc>
-                <a:spcPct val="100000"/>
-              </a:lnSpc>
-              <a:spcBef>
-                <a:spcPct val="50000"/>
-              </a:spcBef>
-              <a:spcAft>
-                <a:spcPct val="0"/>
-              </a:spcAft>
-              <a:buClrTx/>
-              <a:buSzTx/>
-              <a:buFontTx/>
-              <a:buNone/>
-              <a:tabLst/>
-            </a:pPr>
-            <a:r>
-              <a:rPr kumimoji="1" lang="ko-KR" altLang="en-US" sz="4000" b="0" i="0" u="none" strike="noStrike" cap="none" normalizeH="0" baseline="0" dirty="0">
-                <a:ln>
-                  <a:noFill/>
-                </a:ln>
-                <a:solidFill>
-                  <a:schemeClr val="tx1"/>
-                </a:solidFill>
-                <a:effectLst/>
-                <a:latin typeface="굴림" pitchFamily="50" charset="-127"/>
-                <a:ea typeface="굴림" pitchFamily="50" charset="-127"/>
-              </a:rPr>
-              <a:t>내용</a:t>
-            </a:r>
-          </a:p>
-        </p:txBody>
-      </p:sp>
-      <p:sp>
-        <p:nvSpPr>
-          <p:cNvPr id="34" name="직사각형 33">
-            <a:extLst>
-              <a:ext uri="{FF2B5EF4-FFF2-40B4-BE49-F238E27FC236}">
-                <a16:creationId xmlns:a16="http://schemas.microsoft.com/office/drawing/2014/main" id="{5AA40683-ADA0-838C-4C19-BB0368136B8C}"/>
-              </a:ext>
-            </a:extLst>
-          </p:cNvPr>
-          <p:cNvSpPr/>
-          <p:nvPr/>
-        </p:nvSpPr>
-        <p:spPr bwMode="auto">
-          <a:xfrm>
-            <a:off x="4814252" y="2395145"/>
-            <a:ext cx="1210589" cy="707886"/>
-          </a:xfrm>
-          <a:prstGeom prst="rect">
-            <a:avLst/>
-          </a:prstGeom>
-          <a:noFill/>
-          <a:ln w="9525" cap="flat" cmpd="sng" algn="ctr">
-            <a:noFill/>
-            <a:prstDash val="solid"/>
-            <a:round/>
-            <a:headEnd type="none" w="med" len="med"/>
-            <a:tailEnd type="none" w="med" len="med"/>
-          </a:ln>
-          <a:effectLst/>
-        </p:spPr>
-        <p:txBody>
-          <a:bodyPr vert="horz" wrap="none" lIns="91440" tIns="45720" rIns="91440" bIns="45720" numCol="1" rtlCol="0" anchor="ctr" anchorCtr="0" compatLnSpc="1">
-            <a:prstTxWarp prst="textNoShape">
-              <a:avLst/>
-            </a:prstTxWarp>
-            <a:spAutoFit/>
-          </a:bodyPr>
-          <a:lstStyle/>
-          <a:p>
-            <a:pPr marL="0" marR="0" indent="0" algn="ctr" defTabSz="914400" rtl="0" eaLnBrk="1" fontAlgn="base" latinLnBrk="1" hangingPunct="1">
-              <a:lnSpc>
-                <a:spcPct val="100000"/>
-              </a:lnSpc>
-              <a:spcBef>
-                <a:spcPct val="50000"/>
-              </a:spcBef>
-              <a:spcAft>
-                <a:spcPct val="0"/>
-              </a:spcAft>
-              <a:buClrTx/>
-              <a:buSzTx/>
-              <a:buFontTx/>
-              <a:buNone/>
-              <a:tabLst/>
-            </a:pPr>
-            <a:r>
-              <a:rPr kumimoji="1" lang="ko-KR" altLang="en-US" sz="4000" b="0" i="0" u="none" strike="noStrike" cap="none" normalizeH="0" baseline="0" dirty="0">
-                <a:ln>
-                  <a:noFill/>
-                </a:ln>
-                <a:solidFill>
-                  <a:schemeClr val="tx1"/>
-                </a:solidFill>
-                <a:effectLst/>
-                <a:latin typeface="굴림" pitchFamily="50" charset="-127"/>
-                <a:ea typeface="굴림" pitchFamily="50" charset="-127"/>
-              </a:rPr>
-              <a:t>내용</a:t>
-            </a:r>
-          </a:p>
-        </p:txBody>
-      </p:sp>
-      <p:sp>
-        <p:nvSpPr>
           <p:cNvPr id="35" name="직사각형 34">
             <a:extLst>
               <a:ext uri="{FF2B5EF4-FFF2-40B4-BE49-F238E27FC236}">
@@ -6514,7 +5524,7 @@
         </p:nvSpPr>
         <p:spPr bwMode="auto">
           <a:xfrm>
-            <a:off x="3756801" y="1039828"/>
+            <a:off x="8126176" y="1322183"/>
             <a:ext cx="622286" cy="215444"/>
           </a:xfrm>
           <a:prstGeom prst="rect">
@@ -6741,7 +5751,7 @@
         </p:nvSpPr>
         <p:spPr bwMode="auto">
           <a:xfrm>
-            <a:off x="-72753" y="956373"/>
+            <a:off x="1261558" y="1421831"/>
             <a:ext cx="180000" cy="180000"/>
           </a:xfrm>
           <a:prstGeom prst="ellipse">
@@ -7047,7 +6057,7 @@
         </p:nvSpPr>
         <p:spPr bwMode="auto">
           <a:xfrm>
-            <a:off x="1703677" y="1304264"/>
+            <a:off x="1727015" y="1874938"/>
             <a:ext cx="180000" cy="180000"/>
           </a:xfrm>
           <a:prstGeom prst="ellipse">
@@ -7200,7 +6210,7 @@
         </p:nvSpPr>
         <p:spPr bwMode="auto">
           <a:xfrm>
-            <a:off x="4044508" y="894350"/>
+            <a:off x="7982843" y="1334355"/>
             <a:ext cx="180000" cy="180000"/>
           </a:xfrm>
           <a:prstGeom prst="ellipse">
@@ -7965,7 +6975,7 @@
         </p:nvCxnSpPr>
         <p:spPr bwMode="auto">
           <a:xfrm>
-            <a:off x="2103533" y="702938"/>
+            <a:off x="2274997" y="1105386"/>
             <a:ext cx="935455" cy="4"/>
           </a:xfrm>
           <a:prstGeom prst="bentConnector3">
@@ -8007,7 +7017,7 @@
         </p:nvSpPr>
         <p:spPr bwMode="auto">
           <a:xfrm>
-            <a:off x="122386" y="949401"/>
+            <a:off x="51082" y="1355155"/>
             <a:ext cx="1168698" cy="1197869"/>
           </a:xfrm>
           <a:prstGeom prst="rect">
@@ -8165,8 +7175,8 @@
         </p:nvSpPr>
         <p:spPr bwMode="auto">
           <a:xfrm>
-            <a:off x="1895031" y="1297283"/>
-            <a:ext cx="7225470" cy="2858643"/>
+            <a:off x="1937396" y="1676800"/>
+            <a:ext cx="6955084" cy="2486126"/>
           </a:xfrm>
           <a:prstGeom prst="rect">
             <a:avLst/>
@@ -8304,6 +7314,1344 @@
           <a:p>
             <a:pPr eaLnBrk="1" hangingPunct="1"/>
             <a:endParaRPr lang="ko-KR" altLang="en-US"/>
+          </a:p>
+        </p:txBody>
+      </p:sp>
+      <p:sp>
+        <p:nvSpPr>
+          <p:cNvPr id="28" name="사각형: 둥근 모서리 27">
+            <a:extLst>
+              <a:ext uri="{FF2B5EF4-FFF2-40B4-BE49-F238E27FC236}">
+                <a16:creationId xmlns:a16="http://schemas.microsoft.com/office/drawing/2014/main" id="{7D87D2B9-B59C-26C3-823A-598A5A4640CB}"/>
+              </a:ext>
+            </a:extLst>
+          </p:cNvPr>
+          <p:cNvSpPr/>
+          <p:nvPr/>
+        </p:nvSpPr>
+        <p:spPr bwMode="auto">
+          <a:xfrm>
+            <a:off x="1997015" y="1685505"/>
+            <a:ext cx="6757221" cy="574191"/>
+          </a:xfrm>
+          <a:prstGeom prst="roundRect">
+            <a:avLst/>
+          </a:prstGeom>
+          <a:solidFill>
+            <a:srgbClr val="FFFFCC"/>
+          </a:solidFill>
+          <a:ln w="9525" cap="flat" cmpd="sng" algn="ctr">
+            <a:noFill/>
+            <a:prstDash val="solid"/>
+            <a:round/>
+            <a:headEnd type="none" w="med" len="med"/>
+            <a:tailEnd type="none" w="med" len="med"/>
+          </a:ln>
+          <a:effectLst/>
+        </p:spPr>
+        <p:txBody>
+          <a:bodyPr vert="horz" wrap="square" lIns="91440" tIns="45720" rIns="91440" bIns="45720" numCol="1" rtlCol="0" anchor="ctr" anchorCtr="0" compatLnSpc="1">
+            <a:prstTxWarp prst="textNoShape">
+              <a:avLst/>
+            </a:prstTxWarp>
+            <a:spAutoFit/>
+          </a:bodyPr>
+          <a:lstStyle/>
+          <a:p>
+            <a:pPr marL="0" marR="0" indent="0" algn="ctr" defTabSz="914400" rtl="0" eaLnBrk="1" fontAlgn="base" latinLnBrk="1" hangingPunct="1">
+              <a:lnSpc>
+                <a:spcPct val="100000"/>
+              </a:lnSpc>
+              <a:spcBef>
+                <a:spcPct val="50000"/>
+              </a:spcBef>
+              <a:spcAft>
+                <a:spcPct val="0"/>
+              </a:spcAft>
+              <a:buClrTx/>
+              <a:buSzTx/>
+              <a:buFontTx/>
+              <a:buNone/>
+              <a:tabLst/>
+            </a:pPr>
+            <a:endParaRPr kumimoji="1" lang="ko-KR" altLang="en-US" sz="800" b="0" i="0" u="none" strike="noStrike" cap="none" normalizeH="0" baseline="0">
+              <a:ln>
+                <a:noFill/>
+              </a:ln>
+              <a:solidFill>
+                <a:schemeClr val="tx1"/>
+              </a:solidFill>
+              <a:effectLst/>
+              <a:latin typeface="굴림" pitchFamily="50" charset="-127"/>
+              <a:ea typeface="굴림" pitchFamily="50" charset="-127"/>
+            </a:endParaRPr>
+          </a:p>
+        </p:txBody>
+      </p:sp>
+      <p:sp>
+        <p:nvSpPr>
+          <p:cNvPr id="21" name="직사각형 20">
+            <a:extLst>
+              <a:ext uri="{FF2B5EF4-FFF2-40B4-BE49-F238E27FC236}">
+                <a16:creationId xmlns:a16="http://schemas.microsoft.com/office/drawing/2014/main" id="{AEDDFF77-5CD6-B9CE-0C66-CF06A451ADA8}"/>
+              </a:ext>
+            </a:extLst>
+          </p:cNvPr>
+          <p:cNvSpPr/>
+          <p:nvPr/>
+        </p:nvSpPr>
+        <p:spPr bwMode="auto">
+          <a:xfrm>
+            <a:off x="1947314" y="1898607"/>
+            <a:ext cx="705642" cy="215444"/>
+          </a:xfrm>
+          <a:prstGeom prst="rect">
+            <a:avLst/>
+          </a:prstGeom>
+          <a:noFill/>
+          <a:ln w="9525" cap="flat" cmpd="sng" algn="ctr">
+            <a:noFill/>
+            <a:prstDash val="solid"/>
+            <a:round/>
+            <a:headEnd type="none" w="med" len="med"/>
+            <a:tailEnd type="none" w="med" len="med"/>
+          </a:ln>
+          <a:effectLst/>
+        </p:spPr>
+        <p:txBody>
+          <a:bodyPr vert="horz" wrap="none" lIns="91440" tIns="45720" rIns="91440" bIns="45720" numCol="1" rtlCol="0" anchor="ctr" anchorCtr="0" compatLnSpc="1">
+            <a:prstTxWarp prst="textNoShape">
+              <a:avLst/>
+            </a:prstTxWarp>
+            <a:spAutoFit/>
+          </a:bodyPr>
+          <a:lstStyle/>
+          <a:p>
+            <a:pPr marL="0" marR="0" indent="0" algn="ctr" defTabSz="914400" rtl="0" eaLnBrk="1" fontAlgn="base" latinLnBrk="1" hangingPunct="1">
+              <a:lnSpc>
+                <a:spcPct val="100000"/>
+              </a:lnSpc>
+              <a:spcBef>
+                <a:spcPct val="50000"/>
+              </a:spcBef>
+              <a:spcAft>
+                <a:spcPct val="0"/>
+              </a:spcAft>
+              <a:buClrTx/>
+              <a:buSzTx/>
+              <a:buFontTx/>
+              <a:buNone/>
+              <a:tabLst/>
+            </a:pPr>
+            <a:r>
+              <a:rPr lang="en-US" altLang="ko-KR" b="1" dirty="0"/>
+              <a:t>#</a:t>
+            </a:r>
+            <a:r>
+              <a:rPr lang="ko-KR" altLang="en-US" b="1" dirty="0"/>
+              <a:t> 카테고리</a:t>
+            </a:r>
+            <a:endParaRPr kumimoji="1" lang="ko-KR" altLang="en-US" sz="800" b="1" i="0" u="none" strike="noStrike" cap="none" normalizeH="0" baseline="0" dirty="0">
+              <a:ln>
+                <a:noFill/>
+              </a:ln>
+              <a:solidFill>
+                <a:schemeClr val="tx1"/>
+              </a:solidFill>
+              <a:effectLst/>
+              <a:latin typeface="굴림" pitchFamily="50" charset="-127"/>
+              <a:ea typeface="굴림" pitchFamily="50" charset="-127"/>
+            </a:endParaRPr>
+          </a:p>
+        </p:txBody>
+      </p:sp>
+      <p:sp>
+        <p:nvSpPr>
+          <p:cNvPr id="19" name="직사각형 18">
+            <a:extLst>
+              <a:ext uri="{FF2B5EF4-FFF2-40B4-BE49-F238E27FC236}">
+                <a16:creationId xmlns:a16="http://schemas.microsoft.com/office/drawing/2014/main" id="{72EA1BC4-8CFB-25C1-BC80-E9731CFEE7C3}"/>
+              </a:ext>
+            </a:extLst>
+          </p:cNvPr>
+          <p:cNvSpPr/>
+          <p:nvPr/>
+        </p:nvSpPr>
+        <p:spPr bwMode="auto">
+          <a:xfrm>
+            <a:off x="1972521" y="1684697"/>
+            <a:ext cx="834614" cy="307777"/>
+          </a:xfrm>
+          <a:prstGeom prst="rect">
+            <a:avLst/>
+          </a:prstGeom>
+          <a:noFill/>
+          <a:ln w="9525" cap="flat" cmpd="sng" algn="ctr">
+            <a:noFill/>
+            <a:prstDash val="solid"/>
+            <a:round/>
+            <a:headEnd type="none" w="med" len="med"/>
+            <a:tailEnd type="none" w="med" len="med"/>
+          </a:ln>
+          <a:effectLst/>
+        </p:spPr>
+        <p:txBody>
+          <a:bodyPr vert="horz" wrap="square" lIns="91440" tIns="45720" rIns="91440" bIns="45720" numCol="1" rtlCol="0" anchor="ctr" anchorCtr="0" compatLnSpc="1">
+            <a:prstTxWarp prst="textNoShape">
+              <a:avLst/>
+            </a:prstTxWarp>
+            <a:spAutoFit/>
+          </a:bodyPr>
+          <a:lstStyle/>
+          <a:p>
+            <a:pPr marL="0" marR="0" indent="0" algn="ctr" defTabSz="914400" rtl="0" eaLnBrk="1" fontAlgn="base" latinLnBrk="1" hangingPunct="1">
+              <a:lnSpc>
+                <a:spcPct val="100000"/>
+              </a:lnSpc>
+              <a:spcBef>
+                <a:spcPct val="50000"/>
+              </a:spcBef>
+              <a:spcAft>
+                <a:spcPct val="0"/>
+              </a:spcAft>
+              <a:buClrTx/>
+              <a:buSzTx/>
+              <a:buFontTx/>
+              <a:buNone/>
+              <a:tabLst/>
+            </a:pPr>
+            <a:r>
+              <a:rPr kumimoji="1" lang="ko-KR" altLang="en-US" sz="1400" b="1" i="0" u="none" strike="noStrike" cap="none" normalizeH="0" baseline="0" dirty="0">
+                <a:ln>
+                  <a:noFill/>
+                </a:ln>
+                <a:solidFill>
+                  <a:schemeClr val="tx1"/>
+                </a:solidFill>
+                <a:effectLst/>
+                <a:latin typeface="굴림" pitchFamily="50" charset="-127"/>
+                <a:ea typeface="굴림" pitchFamily="50" charset="-127"/>
+              </a:rPr>
+              <a:t>제목 </a:t>
+            </a:r>
+            <a:r>
+              <a:rPr lang="ko-KR" altLang="en-US" sz="1400" b="1" dirty="0"/>
+              <a:t>★</a:t>
+            </a:r>
+            <a:endParaRPr kumimoji="1" lang="ko-KR" altLang="en-US" sz="1400" b="1" i="0" u="none" strike="noStrike" cap="none" normalizeH="0" baseline="0" dirty="0">
+              <a:ln>
+                <a:noFill/>
+              </a:ln>
+              <a:solidFill>
+                <a:schemeClr val="tx1"/>
+              </a:solidFill>
+              <a:effectLst/>
+              <a:latin typeface="굴림" pitchFamily="50" charset="-127"/>
+              <a:ea typeface="굴림" pitchFamily="50" charset="-127"/>
+            </a:endParaRPr>
+          </a:p>
+        </p:txBody>
+      </p:sp>
+      <p:sp>
+        <p:nvSpPr>
+          <p:cNvPr id="22" name="직사각형 21">
+            <a:extLst>
+              <a:ext uri="{FF2B5EF4-FFF2-40B4-BE49-F238E27FC236}">
+                <a16:creationId xmlns:a16="http://schemas.microsoft.com/office/drawing/2014/main" id="{5FC333A6-D60D-19AE-3242-9E6C7219AD01}"/>
+              </a:ext>
+            </a:extLst>
+          </p:cNvPr>
+          <p:cNvSpPr/>
+          <p:nvPr/>
+        </p:nvSpPr>
+        <p:spPr bwMode="auto">
+          <a:xfrm>
+            <a:off x="8083818" y="1698015"/>
+            <a:ext cx="628698" cy="215444"/>
+          </a:xfrm>
+          <a:prstGeom prst="rect">
+            <a:avLst/>
+          </a:prstGeom>
+          <a:noFill/>
+          <a:ln w="9525" cap="flat" cmpd="sng" algn="ctr">
+            <a:noFill/>
+            <a:prstDash val="solid"/>
+            <a:round/>
+            <a:headEnd type="none" w="med" len="med"/>
+            <a:tailEnd type="none" w="med" len="med"/>
+          </a:ln>
+          <a:effectLst/>
+        </p:spPr>
+        <p:txBody>
+          <a:bodyPr vert="horz" wrap="none" lIns="91440" tIns="45720" rIns="91440" bIns="45720" numCol="1" rtlCol="0" anchor="ctr" anchorCtr="0" compatLnSpc="1">
+            <a:prstTxWarp prst="textNoShape">
+              <a:avLst/>
+            </a:prstTxWarp>
+            <a:spAutoFit/>
+          </a:bodyPr>
+          <a:lstStyle/>
+          <a:p>
+            <a:pPr marL="0" marR="0" indent="0" algn="ctr" defTabSz="914400" rtl="0" eaLnBrk="1" fontAlgn="base" latinLnBrk="1" hangingPunct="1">
+              <a:lnSpc>
+                <a:spcPct val="100000"/>
+              </a:lnSpc>
+              <a:spcBef>
+                <a:spcPct val="50000"/>
+              </a:spcBef>
+              <a:spcAft>
+                <a:spcPct val="0"/>
+              </a:spcAft>
+              <a:buClrTx/>
+              <a:buSzTx/>
+              <a:buFontTx/>
+              <a:buNone/>
+              <a:tabLst/>
+            </a:pPr>
+            <a:r>
+              <a:rPr kumimoji="1" lang="ko-KR" altLang="en-US" sz="800" b="1" i="0" u="none" strike="noStrike" cap="none" normalizeH="0" baseline="0" dirty="0">
+                <a:ln>
+                  <a:noFill/>
+                </a:ln>
+                <a:solidFill>
+                  <a:schemeClr val="tx1"/>
+                </a:solidFill>
+                <a:effectLst/>
+                <a:latin typeface="굴림" pitchFamily="50" charset="-127"/>
+                <a:ea typeface="굴림" pitchFamily="50" charset="-127"/>
+              </a:rPr>
+              <a:t>작성 날짜</a:t>
+            </a:r>
+          </a:p>
+        </p:txBody>
+      </p:sp>
+      <p:sp>
+        <p:nvSpPr>
+          <p:cNvPr id="33" name="직사각형 32">
+            <a:extLst>
+              <a:ext uri="{FF2B5EF4-FFF2-40B4-BE49-F238E27FC236}">
+                <a16:creationId xmlns:a16="http://schemas.microsoft.com/office/drawing/2014/main" id="{624F4B6C-DB19-90D5-CEED-AFC5AC4E18A5}"/>
+              </a:ext>
+            </a:extLst>
+          </p:cNvPr>
+          <p:cNvSpPr/>
+          <p:nvPr/>
+        </p:nvSpPr>
+        <p:spPr bwMode="auto">
+          <a:xfrm>
+            <a:off x="1709944" y="2023890"/>
+            <a:ext cx="1080120" cy="253916"/>
+          </a:xfrm>
+          <a:prstGeom prst="rect">
+            <a:avLst/>
+          </a:prstGeom>
+          <a:noFill/>
+          <a:ln w="9525" cap="flat" cmpd="sng" algn="ctr">
+            <a:noFill/>
+            <a:prstDash val="solid"/>
+            <a:round/>
+            <a:headEnd type="none" w="med" len="med"/>
+            <a:tailEnd type="none" w="med" len="med"/>
+          </a:ln>
+          <a:effectLst/>
+        </p:spPr>
+        <p:txBody>
+          <a:bodyPr vert="horz" wrap="square" lIns="91440" tIns="45720" rIns="91440" bIns="45720" numCol="1" rtlCol="0" anchor="ctr" anchorCtr="0" compatLnSpc="1">
+            <a:prstTxWarp prst="textNoShape">
+              <a:avLst/>
+            </a:prstTxWarp>
+            <a:spAutoFit/>
+          </a:bodyPr>
+          <a:lstStyle/>
+          <a:p>
+            <a:pPr marL="0" marR="0" indent="0" algn="ctr" defTabSz="914400" rtl="0" eaLnBrk="1" fontAlgn="base" latinLnBrk="1" hangingPunct="1">
+              <a:lnSpc>
+                <a:spcPct val="100000"/>
+              </a:lnSpc>
+              <a:spcBef>
+                <a:spcPct val="50000"/>
+              </a:spcBef>
+              <a:spcAft>
+                <a:spcPct val="0"/>
+              </a:spcAft>
+              <a:buClrTx/>
+              <a:buSzTx/>
+              <a:buFontTx/>
+              <a:buNone/>
+              <a:tabLst/>
+            </a:pPr>
+            <a:r>
+              <a:rPr kumimoji="1" lang="ko-KR" altLang="en-US" sz="1050" b="0" i="0" u="none" strike="noStrike" cap="none" normalizeH="0" baseline="0" dirty="0">
+                <a:ln>
+                  <a:noFill/>
+                </a:ln>
+                <a:solidFill>
+                  <a:schemeClr val="tx1"/>
+                </a:solidFill>
+                <a:effectLst/>
+                <a:latin typeface="굴림" pitchFamily="50" charset="-127"/>
+                <a:ea typeface="굴림" pitchFamily="50" charset="-127"/>
+              </a:rPr>
+              <a:t>내용</a:t>
+            </a:r>
+          </a:p>
+        </p:txBody>
+      </p:sp>
+      <p:sp>
+        <p:nvSpPr>
+          <p:cNvPr id="36" name="사각형: 둥근 모서리 35">
+            <a:extLst>
+              <a:ext uri="{FF2B5EF4-FFF2-40B4-BE49-F238E27FC236}">
+                <a16:creationId xmlns:a16="http://schemas.microsoft.com/office/drawing/2014/main" id="{D35A15E7-231E-851A-70F4-6DF6C506E0E5}"/>
+              </a:ext>
+            </a:extLst>
+          </p:cNvPr>
+          <p:cNvSpPr/>
+          <p:nvPr/>
+        </p:nvSpPr>
+        <p:spPr bwMode="auto">
+          <a:xfrm>
+            <a:off x="1991241" y="2500302"/>
+            <a:ext cx="6757221" cy="655434"/>
+          </a:xfrm>
+          <a:prstGeom prst="roundRect">
+            <a:avLst/>
+          </a:prstGeom>
+          <a:solidFill>
+            <a:srgbClr val="FFFFCC"/>
+          </a:solidFill>
+          <a:ln w="9525" cap="flat" cmpd="sng" algn="ctr">
+            <a:noFill/>
+            <a:prstDash val="solid"/>
+            <a:round/>
+            <a:headEnd type="none" w="med" len="med"/>
+            <a:tailEnd type="none" w="med" len="med"/>
+          </a:ln>
+          <a:effectLst/>
+        </p:spPr>
+        <p:txBody>
+          <a:bodyPr vert="horz" wrap="square" lIns="91440" tIns="45720" rIns="91440" bIns="45720" numCol="1" rtlCol="0" anchor="ctr" anchorCtr="0" compatLnSpc="1">
+            <a:prstTxWarp prst="textNoShape">
+              <a:avLst/>
+            </a:prstTxWarp>
+            <a:spAutoFit/>
+          </a:bodyPr>
+          <a:lstStyle/>
+          <a:p>
+            <a:pPr marL="0" marR="0" indent="0" algn="ctr" defTabSz="914400" rtl="0" eaLnBrk="1" fontAlgn="base" latinLnBrk="1" hangingPunct="1">
+              <a:lnSpc>
+                <a:spcPct val="100000"/>
+              </a:lnSpc>
+              <a:spcBef>
+                <a:spcPct val="50000"/>
+              </a:spcBef>
+              <a:spcAft>
+                <a:spcPct val="0"/>
+              </a:spcAft>
+              <a:buClrTx/>
+              <a:buSzTx/>
+              <a:buFontTx/>
+              <a:buNone/>
+              <a:tabLst/>
+            </a:pPr>
+            <a:endParaRPr kumimoji="1" lang="ko-KR" altLang="en-US" sz="800" b="0" i="0" u="none" strike="noStrike" cap="none" normalizeH="0" baseline="0">
+              <a:ln>
+                <a:noFill/>
+              </a:ln>
+              <a:solidFill>
+                <a:schemeClr val="tx1"/>
+              </a:solidFill>
+              <a:effectLst/>
+              <a:latin typeface="굴림" pitchFamily="50" charset="-127"/>
+              <a:ea typeface="굴림" pitchFamily="50" charset="-127"/>
+            </a:endParaRPr>
+          </a:p>
+        </p:txBody>
+      </p:sp>
+      <p:sp>
+        <p:nvSpPr>
+          <p:cNvPr id="42" name="사각형: 둥근 모서리 41">
+            <a:extLst>
+              <a:ext uri="{FF2B5EF4-FFF2-40B4-BE49-F238E27FC236}">
+                <a16:creationId xmlns:a16="http://schemas.microsoft.com/office/drawing/2014/main" id="{AA53C228-B8F9-BDA1-823E-BE612CD7752A}"/>
+              </a:ext>
+            </a:extLst>
+          </p:cNvPr>
+          <p:cNvSpPr/>
+          <p:nvPr/>
+        </p:nvSpPr>
+        <p:spPr bwMode="auto">
+          <a:xfrm>
+            <a:off x="1998900" y="3331978"/>
+            <a:ext cx="6726806" cy="637743"/>
+          </a:xfrm>
+          <a:prstGeom prst="roundRect">
+            <a:avLst/>
+          </a:prstGeom>
+          <a:solidFill>
+            <a:srgbClr val="FFFFCC"/>
+          </a:solidFill>
+          <a:ln w="9525" cap="flat" cmpd="sng" algn="ctr">
+            <a:noFill/>
+            <a:prstDash val="solid"/>
+            <a:round/>
+            <a:headEnd type="none" w="med" len="med"/>
+            <a:tailEnd type="none" w="med" len="med"/>
+          </a:ln>
+          <a:effectLst/>
+        </p:spPr>
+        <p:txBody>
+          <a:bodyPr vert="horz" wrap="square" lIns="91440" tIns="45720" rIns="91440" bIns="45720" numCol="1" rtlCol="0" anchor="ctr" anchorCtr="0" compatLnSpc="1">
+            <a:prstTxWarp prst="textNoShape">
+              <a:avLst/>
+            </a:prstTxWarp>
+            <a:spAutoFit/>
+          </a:bodyPr>
+          <a:lstStyle/>
+          <a:p>
+            <a:pPr marL="0" marR="0" indent="0" algn="ctr" defTabSz="914400" rtl="0" eaLnBrk="1" fontAlgn="base" latinLnBrk="1" hangingPunct="1">
+              <a:lnSpc>
+                <a:spcPct val="100000"/>
+              </a:lnSpc>
+              <a:spcBef>
+                <a:spcPct val="50000"/>
+              </a:spcBef>
+              <a:spcAft>
+                <a:spcPct val="0"/>
+              </a:spcAft>
+              <a:buClrTx/>
+              <a:buSzTx/>
+              <a:buFontTx/>
+              <a:buNone/>
+              <a:tabLst/>
+            </a:pPr>
+            <a:endParaRPr kumimoji="1" lang="ko-KR" altLang="en-US" sz="800" b="0" i="0" u="none" strike="noStrike" cap="none" normalizeH="0" baseline="0">
+              <a:ln>
+                <a:noFill/>
+              </a:ln>
+              <a:solidFill>
+                <a:schemeClr val="tx1"/>
+              </a:solidFill>
+              <a:effectLst/>
+              <a:latin typeface="굴림" pitchFamily="50" charset="-127"/>
+              <a:ea typeface="굴림" pitchFamily="50" charset="-127"/>
+            </a:endParaRPr>
+          </a:p>
+        </p:txBody>
+      </p:sp>
+      <p:sp>
+        <p:nvSpPr>
+          <p:cNvPr id="45" name="직사각형 44">
+            <a:extLst>
+              <a:ext uri="{FF2B5EF4-FFF2-40B4-BE49-F238E27FC236}">
+                <a16:creationId xmlns:a16="http://schemas.microsoft.com/office/drawing/2014/main" id="{9CBE50FF-66CE-F877-927D-710E65B2FE05}"/>
+              </a:ext>
+            </a:extLst>
+          </p:cNvPr>
+          <p:cNvSpPr/>
+          <p:nvPr/>
+        </p:nvSpPr>
+        <p:spPr bwMode="auto">
+          <a:xfrm>
+            <a:off x="8072843" y="3350634"/>
+            <a:ext cx="628698" cy="215444"/>
+          </a:xfrm>
+          <a:prstGeom prst="rect">
+            <a:avLst/>
+          </a:prstGeom>
+          <a:noFill/>
+          <a:ln w="9525" cap="flat" cmpd="sng" algn="ctr">
+            <a:noFill/>
+            <a:prstDash val="solid"/>
+            <a:round/>
+            <a:headEnd type="none" w="med" len="med"/>
+            <a:tailEnd type="none" w="med" len="med"/>
+          </a:ln>
+          <a:effectLst/>
+        </p:spPr>
+        <p:txBody>
+          <a:bodyPr vert="horz" wrap="none" lIns="91440" tIns="45720" rIns="91440" bIns="45720" numCol="1" rtlCol="0" anchor="ctr" anchorCtr="0" compatLnSpc="1">
+            <a:prstTxWarp prst="textNoShape">
+              <a:avLst/>
+            </a:prstTxWarp>
+            <a:spAutoFit/>
+          </a:bodyPr>
+          <a:lstStyle/>
+          <a:p>
+            <a:pPr marL="0" marR="0" indent="0" algn="ctr" defTabSz="914400" rtl="0" eaLnBrk="1" fontAlgn="base" latinLnBrk="1" hangingPunct="1">
+              <a:lnSpc>
+                <a:spcPct val="100000"/>
+              </a:lnSpc>
+              <a:spcBef>
+                <a:spcPct val="50000"/>
+              </a:spcBef>
+              <a:spcAft>
+                <a:spcPct val="0"/>
+              </a:spcAft>
+              <a:buClrTx/>
+              <a:buSzTx/>
+              <a:buFontTx/>
+              <a:buNone/>
+              <a:tabLst/>
+            </a:pPr>
+            <a:r>
+              <a:rPr kumimoji="1" lang="ko-KR" altLang="en-US" sz="800" b="1" i="0" u="none" strike="noStrike" cap="none" normalizeH="0" baseline="0" dirty="0">
+                <a:ln>
+                  <a:noFill/>
+                </a:ln>
+                <a:solidFill>
+                  <a:schemeClr val="tx1"/>
+                </a:solidFill>
+                <a:effectLst/>
+                <a:latin typeface="굴림" pitchFamily="50" charset="-127"/>
+                <a:ea typeface="굴림" pitchFamily="50" charset="-127"/>
+              </a:rPr>
+              <a:t>작성 날짜</a:t>
+            </a:r>
+          </a:p>
+        </p:txBody>
+      </p:sp>
+      <p:sp>
+        <p:nvSpPr>
+          <p:cNvPr id="48" name="직사각형 47">
+            <a:extLst>
+              <a:ext uri="{FF2B5EF4-FFF2-40B4-BE49-F238E27FC236}">
+                <a16:creationId xmlns:a16="http://schemas.microsoft.com/office/drawing/2014/main" id="{F5B2021F-7DF2-264D-414A-03FAF47566D7}"/>
+              </a:ext>
+            </a:extLst>
+          </p:cNvPr>
+          <p:cNvSpPr/>
+          <p:nvPr/>
+        </p:nvSpPr>
+        <p:spPr bwMode="auto">
+          <a:xfrm>
+            <a:off x="8079807" y="2551078"/>
+            <a:ext cx="628698" cy="215444"/>
+          </a:xfrm>
+          <a:prstGeom prst="rect">
+            <a:avLst/>
+          </a:prstGeom>
+          <a:noFill/>
+          <a:ln w="9525" cap="flat" cmpd="sng" algn="ctr">
+            <a:noFill/>
+            <a:prstDash val="solid"/>
+            <a:round/>
+            <a:headEnd type="none" w="med" len="med"/>
+            <a:tailEnd type="none" w="med" len="med"/>
+          </a:ln>
+          <a:effectLst/>
+        </p:spPr>
+        <p:txBody>
+          <a:bodyPr vert="horz" wrap="none" lIns="91440" tIns="45720" rIns="91440" bIns="45720" numCol="1" rtlCol="0" anchor="ctr" anchorCtr="0" compatLnSpc="1">
+            <a:prstTxWarp prst="textNoShape">
+              <a:avLst/>
+            </a:prstTxWarp>
+            <a:spAutoFit/>
+          </a:bodyPr>
+          <a:lstStyle/>
+          <a:p>
+            <a:pPr marL="0" marR="0" indent="0" algn="ctr" defTabSz="914400" rtl="0" eaLnBrk="1" fontAlgn="base" latinLnBrk="1" hangingPunct="1">
+              <a:lnSpc>
+                <a:spcPct val="100000"/>
+              </a:lnSpc>
+              <a:spcBef>
+                <a:spcPct val="50000"/>
+              </a:spcBef>
+              <a:spcAft>
+                <a:spcPct val="0"/>
+              </a:spcAft>
+              <a:buClrTx/>
+              <a:buSzTx/>
+              <a:buFontTx/>
+              <a:buNone/>
+              <a:tabLst/>
+            </a:pPr>
+            <a:r>
+              <a:rPr kumimoji="1" lang="ko-KR" altLang="en-US" sz="800" b="1" i="0" u="none" strike="noStrike" cap="none" normalizeH="0" baseline="0" dirty="0">
+                <a:ln>
+                  <a:noFill/>
+                </a:ln>
+                <a:solidFill>
+                  <a:schemeClr val="tx1"/>
+                </a:solidFill>
+                <a:effectLst/>
+                <a:latin typeface="굴림" pitchFamily="50" charset="-127"/>
+                <a:ea typeface="굴림" pitchFamily="50" charset="-127"/>
+              </a:rPr>
+              <a:t>작성 날짜</a:t>
+            </a:r>
+          </a:p>
+        </p:txBody>
+      </p:sp>
+      <p:sp>
+        <p:nvSpPr>
+          <p:cNvPr id="52" name="직사각형 51">
+            <a:extLst>
+              <a:ext uri="{FF2B5EF4-FFF2-40B4-BE49-F238E27FC236}">
+                <a16:creationId xmlns:a16="http://schemas.microsoft.com/office/drawing/2014/main" id="{C8C577E6-D6E1-E4EF-93DE-E518A2F423C9}"/>
+              </a:ext>
+            </a:extLst>
+          </p:cNvPr>
+          <p:cNvSpPr/>
+          <p:nvPr/>
+        </p:nvSpPr>
+        <p:spPr bwMode="auto">
+          <a:xfrm>
+            <a:off x="1951154" y="3315382"/>
+            <a:ext cx="789850" cy="307777"/>
+          </a:xfrm>
+          <a:prstGeom prst="rect">
+            <a:avLst/>
+          </a:prstGeom>
+          <a:noFill/>
+          <a:ln w="9525" cap="flat" cmpd="sng" algn="ctr">
+            <a:noFill/>
+            <a:prstDash val="solid"/>
+            <a:round/>
+            <a:headEnd type="none" w="med" len="med"/>
+            <a:tailEnd type="none" w="med" len="med"/>
+          </a:ln>
+          <a:effectLst/>
+        </p:spPr>
+        <p:txBody>
+          <a:bodyPr vert="horz" wrap="square" lIns="91440" tIns="45720" rIns="91440" bIns="45720" numCol="1" rtlCol="0" anchor="ctr" anchorCtr="0" compatLnSpc="1">
+            <a:prstTxWarp prst="textNoShape">
+              <a:avLst/>
+            </a:prstTxWarp>
+            <a:spAutoFit/>
+          </a:bodyPr>
+          <a:lstStyle/>
+          <a:p>
+            <a:pPr marL="0" marR="0" indent="0" algn="ctr" defTabSz="914400" rtl="0" eaLnBrk="1" fontAlgn="base" latinLnBrk="1" hangingPunct="1">
+              <a:lnSpc>
+                <a:spcPct val="100000"/>
+              </a:lnSpc>
+              <a:spcBef>
+                <a:spcPct val="50000"/>
+              </a:spcBef>
+              <a:spcAft>
+                <a:spcPct val="0"/>
+              </a:spcAft>
+              <a:buClrTx/>
+              <a:buSzTx/>
+              <a:buFontTx/>
+              <a:buNone/>
+              <a:tabLst/>
+            </a:pPr>
+            <a:r>
+              <a:rPr kumimoji="1" lang="ko-KR" altLang="en-US" sz="1400" b="1" i="0" u="none" strike="noStrike" cap="none" normalizeH="0" baseline="0" dirty="0">
+                <a:ln>
+                  <a:noFill/>
+                </a:ln>
+                <a:solidFill>
+                  <a:schemeClr val="tx1"/>
+                </a:solidFill>
+                <a:effectLst/>
+                <a:latin typeface="굴림" pitchFamily="50" charset="-127"/>
+                <a:ea typeface="굴림" pitchFamily="50" charset="-127"/>
+              </a:rPr>
+              <a:t>제목</a:t>
+            </a:r>
+            <a:r>
+              <a:rPr lang="ko-KR" altLang="en-US" sz="1400" b="1" dirty="0"/>
+              <a:t> ★</a:t>
+            </a:r>
+            <a:endParaRPr kumimoji="1" lang="ko-KR" altLang="en-US" sz="1400" b="1" i="0" u="none" strike="noStrike" cap="none" normalizeH="0" baseline="0" dirty="0">
+              <a:ln>
+                <a:noFill/>
+              </a:ln>
+              <a:solidFill>
+                <a:schemeClr val="tx1"/>
+              </a:solidFill>
+              <a:effectLst/>
+              <a:latin typeface="굴림" pitchFamily="50" charset="-127"/>
+              <a:ea typeface="굴림" pitchFamily="50" charset="-127"/>
+            </a:endParaRPr>
+          </a:p>
+        </p:txBody>
+      </p:sp>
+      <p:sp>
+        <p:nvSpPr>
+          <p:cNvPr id="53" name="직사각형 52">
+            <a:extLst>
+              <a:ext uri="{FF2B5EF4-FFF2-40B4-BE49-F238E27FC236}">
+                <a16:creationId xmlns:a16="http://schemas.microsoft.com/office/drawing/2014/main" id="{F399DF62-BD0C-E81F-A7BA-95BBEF36EB56}"/>
+              </a:ext>
+            </a:extLst>
+          </p:cNvPr>
+          <p:cNvSpPr/>
+          <p:nvPr/>
+        </p:nvSpPr>
+        <p:spPr bwMode="auto">
+          <a:xfrm>
+            <a:off x="1965111" y="2451103"/>
+            <a:ext cx="554966" cy="307777"/>
+          </a:xfrm>
+          <a:prstGeom prst="rect">
+            <a:avLst/>
+          </a:prstGeom>
+          <a:noFill/>
+          <a:ln w="9525" cap="flat" cmpd="sng" algn="ctr">
+            <a:noFill/>
+            <a:prstDash val="solid"/>
+            <a:round/>
+            <a:headEnd type="none" w="med" len="med"/>
+            <a:tailEnd type="none" w="med" len="med"/>
+          </a:ln>
+          <a:effectLst/>
+        </p:spPr>
+        <p:txBody>
+          <a:bodyPr vert="horz" wrap="square" lIns="91440" tIns="45720" rIns="91440" bIns="45720" numCol="1" rtlCol="0" anchor="ctr" anchorCtr="0" compatLnSpc="1">
+            <a:prstTxWarp prst="textNoShape">
+              <a:avLst/>
+            </a:prstTxWarp>
+            <a:spAutoFit/>
+          </a:bodyPr>
+          <a:lstStyle/>
+          <a:p>
+            <a:pPr marL="0" marR="0" indent="0" algn="ctr" defTabSz="914400" rtl="0" eaLnBrk="1" fontAlgn="base" latinLnBrk="1" hangingPunct="1">
+              <a:lnSpc>
+                <a:spcPct val="100000"/>
+              </a:lnSpc>
+              <a:spcBef>
+                <a:spcPct val="50000"/>
+              </a:spcBef>
+              <a:spcAft>
+                <a:spcPct val="0"/>
+              </a:spcAft>
+              <a:buClrTx/>
+              <a:buSzTx/>
+              <a:buFontTx/>
+              <a:buNone/>
+              <a:tabLst/>
+            </a:pPr>
+            <a:r>
+              <a:rPr kumimoji="1" lang="ko-KR" altLang="en-US" sz="1400" b="1" i="0" u="none" strike="noStrike" cap="none" normalizeH="0" baseline="0" dirty="0">
+                <a:ln>
+                  <a:noFill/>
+                </a:ln>
+                <a:solidFill>
+                  <a:schemeClr val="tx1"/>
+                </a:solidFill>
+                <a:effectLst/>
+                <a:latin typeface="굴림" pitchFamily="50" charset="-127"/>
+                <a:ea typeface="굴림" pitchFamily="50" charset="-127"/>
+              </a:rPr>
+              <a:t>제목</a:t>
+            </a:r>
+          </a:p>
+        </p:txBody>
+      </p:sp>
+      <p:sp>
+        <p:nvSpPr>
+          <p:cNvPr id="54" name="직사각형 53">
+            <a:extLst>
+              <a:ext uri="{FF2B5EF4-FFF2-40B4-BE49-F238E27FC236}">
+                <a16:creationId xmlns:a16="http://schemas.microsoft.com/office/drawing/2014/main" id="{46F2784C-F80C-A141-A4FD-45C49D37ECFB}"/>
+              </a:ext>
+            </a:extLst>
+          </p:cNvPr>
+          <p:cNvSpPr/>
+          <p:nvPr/>
+        </p:nvSpPr>
+        <p:spPr bwMode="auto">
+          <a:xfrm>
+            <a:off x="1947314" y="3534956"/>
+            <a:ext cx="705642" cy="215444"/>
+          </a:xfrm>
+          <a:prstGeom prst="rect">
+            <a:avLst/>
+          </a:prstGeom>
+          <a:noFill/>
+          <a:ln w="9525" cap="flat" cmpd="sng" algn="ctr">
+            <a:noFill/>
+            <a:prstDash val="solid"/>
+            <a:round/>
+            <a:headEnd type="none" w="med" len="med"/>
+            <a:tailEnd type="none" w="med" len="med"/>
+          </a:ln>
+          <a:effectLst/>
+        </p:spPr>
+        <p:txBody>
+          <a:bodyPr vert="horz" wrap="none" lIns="91440" tIns="45720" rIns="91440" bIns="45720" numCol="1" rtlCol="0" anchor="ctr" anchorCtr="0" compatLnSpc="1">
+            <a:prstTxWarp prst="textNoShape">
+              <a:avLst/>
+            </a:prstTxWarp>
+            <a:spAutoFit/>
+          </a:bodyPr>
+          <a:lstStyle/>
+          <a:p>
+            <a:pPr marL="0" marR="0" indent="0" algn="ctr" defTabSz="914400" rtl="0" eaLnBrk="1" fontAlgn="base" latinLnBrk="1" hangingPunct="1">
+              <a:lnSpc>
+                <a:spcPct val="100000"/>
+              </a:lnSpc>
+              <a:spcBef>
+                <a:spcPct val="50000"/>
+              </a:spcBef>
+              <a:spcAft>
+                <a:spcPct val="0"/>
+              </a:spcAft>
+              <a:buClrTx/>
+              <a:buSzTx/>
+              <a:buFontTx/>
+              <a:buNone/>
+              <a:tabLst/>
+            </a:pPr>
+            <a:r>
+              <a:rPr lang="en-US" altLang="ko-KR" b="1" dirty="0"/>
+              <a:t>#</a:t>
+            </a:r>
+            <a:r>
+              <a:rPr lang="ko-KR" altLang="en-US" b="1" dirty="0"/>
+              <a:t> 카테고리</a:t>
+            </a:r>
+            <a:endParaRPr kumimoji="1" lang="ko-KR" altLang="en-US" sz="800" b="1" i="0" u="none" strike="noStrike" cap="none" normalizeH="0" baseline="0" dirty="0">
+              <a:ln>
+                <a:noFill/>
+              </a:ln>
+              <a:solidFill>
+                <a:schemeClr val="tx1"/>
+              </a:solidFill>
+              <a:effectLst/>
+              <a:latin typeface="굴림" pitchFamily="50" charset="-127"/>
+              <a:ea typeface="굴림" pitchFamily="50" charset="-127"/>
+            </a:endParaRPr>
+          </a:p>
+        </p:txBody>
+      </p:sp>
+      <p:sp>
+        <p:nvSpPr>
+          <p:cNvPr id="55" name="직사각형 54">
+            <a:extLst>
+              <a:ext uri="{FF2B5EF4-FFF2-40B4-BE49-F238E27FC236}">
+                <a16:creationId xmlns:a16="http://schemas.microsoft.com/office/drawing/2014/main" id="{439E7C1A-9D8D-DA80-DF77-6E03B9E170F4}"/>
+              </a:ext>
+            </a:extLst>
+          </p:cNvPr>
+          <p:cNvSpPr/>
+          <p:nvPr/>
+        </p:nvSpPr>
+        <p:spPr bwMode="auto">
+          <a:xfrm>
+            <a:off x="1972521" y="2669315"/>
+            <a:ext cx="705642" cy="215444"/>
+          </a:xfrm>
+          <a:prstGeom prst="rect">
+            <a:avLst/>
+          </a:prstGeom>
+          <a:noFill/>
+          <a:ln w="9525" cap="flat" cmpd="sng" algn="ctr">
+            <a:noFill/>
+            <a:prstDash val="solid"/>
+            <a:round/>
+            <a:headEnd type="none" w="med" len="med"/>
+            <a:tailEnd type="none" w="med" len="med"/>
+          </a:ln>
+          <a:effectLst/>
+        </p:spPr>
+        <p:txBody>
+          <a:bodyPr vert="horz" wrap="none" lIns="91440" tIns="45720" rIns="91440" bIns="45720" numCol="1" rtlCol="0" anchor="ctr" anchorCtr="0" compatLnSpc="1">
+            <a:prstTxWarp prst="textNoShape">
+              <a:avLst/>
+            </a:prstTxWarp>
+            <a:spAutoFit/>
+          </a:bodyPr>
+          <a:lstStyle/>
+          <a:p>
+            <a:pPr marL="0" marR="0" indent="0" algn="ctr" defTabSz="914400" rtl="0" eaLnBrk="1" fontAlgn="base" latinLnBrk="1" hangingPunct="1">
+              <a:lnSpc>
+                <a:spcPct val="100000"/>
+              </a:lnSpc>
+              <a:spcBef>
+                <a:spcPct val="50000"/>
+              </a:spcBef>
+              <a:spcAft>
+                <a:spcPct val="0"/>
+              </a:spcAft>
+              <a:buClrTx/>
+              <a:buSzTx/>
+              <a:buFontTx/>
+              <a:buNone/>
+              <a:tabLst/>
+            </a:pPr>
+            <a:r>
+              <a:rPr lang="en-US" altLang="ko-KR" b="1" dirty="0"/>
+              <a:t>#</a:t>
+            </a:r>
+            <a:r>
+              <a:rPr lang="ko-KR" altLang="en-US" b="1" dirty="0"/>
+              <a:t> 카테고리</a:t>
+            </a:r>
+            <a:endParaRPr kumimoji="1" lang="ko-KR" altLang="en-US" sz="800" b="1" i="0" u="none" strike="noStrike" cap="none" normalizeH="0" baseline="0" dirty="0">
+              <a:ln>
+                <a:noFill/>
+              </a:ln>
+              <a:solidFill>
+                <a:schemeClr val="tx1"/>
+              </a:solidFill>
+              <a:effectLst/>
+              <a:latin typeface="굴림" pitchFamily="50" charset="-127"/>
+              <a:ea typeface="굴림" pitchFamily="50" charset="-127"/>
+            </a:endParaRPr>
+          </a:p>
+        </p:txBody>
+      </p:sp>
+      <p:sp>
+        <p:nvSpPr>
+          <p:cNvPr id="57" name="직사각형 56">
+            <a:extLst>
+              <a:ext uri="{FF2B5EF4-FFF2-40B4-BE49-F238E27FC236}">
+                <a16:creationId xmlns:a16="http://schemas.microsoft.com/office/drawing/2014/main" id="{7160B3D1-D088-A24E-3391-EC7B3DBFCE4A}"/>
+              </a:ext>
+            </a:extLst>
+          </p:cNvPr>
+          <p:cNvSpPr/>
+          <p:nvPr/>
+        </p:nvSpPr>
+        <p:spPr bwMode="auto">
+          <a:xfrm>
+            <a:off x="1702052" y="3686391"/>
+            <a:ext cx="1080120" cy="253916"/>
+          </a:xfrm>
+          <a:prstGeom prst="rect">
+            <a:avLst/>
+          </a:prstGeom>
+          <a:noFill/>
+          <a:ln w="9525" cap="flat" cmpd="sng" algn="ctr">
+            <a:noFill/>
+            <a:prstDash val="solid"/>
+            <a:round/>
+            <a:headEnd type="none" w="med" len="med"/>
+            <a:tailEnd type="none" w="med" len="med"/>
+          </a:ln>
+          <a:effectLst/>
+        </p:spPr>
+        <p:txBody>
+          <a:bodyPr vert="horz" wrap="square" lIns="91440" tIns="45720" rIns="91440" bIns="45720" numCol="1" rtlCol="0" anchor="ctr" anchorCtr="0" compatLnSpc="1">
+            <a:prstTxWarp prst="textNoShape">
+              <a:avLst/>
+            </a:prstTxWarp>
+            <a:spAutoFit/>
+          </a:bodyPr>
+          <a:lstStyle/>
+          <a:p>
+            <a:pPr marL="0" marR="0" indent="0" algn="ctr" defTabSz="914400" rtl="0" eaLnBrk="1" fontAlgn="base" latinLnBrk="1" hangingPunct="1">
+              <a:lnSpc>
+                <a:spcPct val="100000"/>
+              </a:lnSpc>
+              <a:spcBef>
+                <a:spcPct val="50000"/>
+              </a:spcBef>
+              <a:spcAft>
+                <a:spcPct val="0"/>
+              </a:spcAft>
+              <a:buClrTx/>
+              <a:buSzTx/>
+              <a:buFontTx/>
+              <a:buNone/>
+              <a:tabLst/>
+            </a:pPr>
+            <a:r>
+              <a:rPr kumimoji="1" lang="ko-KR" altLang="en-US" sz="1050" b="0" i="0" u="none" strike="noStrike" cap="none" normalizeH="0" baseline="0" dirty="0">
+                <a:ln>
+                  <a:noFill/>
+                </a:ln>
+                <a:solidFill>
+                  <a:schemeClr val="tx1"/>
+                </a:solidFill>
+                <a:effectLst/>
+                <a:latin typeface="굴림" pitchFamily="50" charset="-127"/>
+                <a:ea typeface="굴림" pitchFamily="50" charset="-127"/>
+              </a:rPr>
+              <a:t>내용</a:t>
+            </a:r>
+          </a:p>
+        </p:txBody>
+      </p:sp>
+      <p:sp>
+        <p:nvSpPr>
+          <p:cNvPr id="58" name="직사각형 57">
+            <a:extLst>
+              <a:ext uri="{FF2B5EF4-FFF2-40B4-BE49-F238E27FC236}">
+                <a16:creationId xmlns:a16="http://schemas.microsoft.com/office/drawing/2014/main" id="{57CC4B5C-1CDD-8001-339E-7195F7CE885B}"/>
+              </a:ext>
+            </a:extLst>
+          </p:cNvPr>
+          <p:cNvSpPr/>
+          <p:nvPr/>
+        </p:nvSpPr>
+        <p:spPr bwMode="auto">
+          <a:xfrm>
+            <a:off x="1723656" y="2850904"/>
+            <a:ext cx="1080120" cy="253916"/>
+          </a:xfrm>
+          <a:prstGeom prst="rect">
+            <a:avLst/>
+          </a:prstGeom>
+          <a:noFill/>
+          <a:ln w="9525" cap="flat" cmpd="sng" algn="ctr">
+            <a:noFill/>
+            <a:prstDash val="solid"/>
+            <a:round/>
+            <a:headEnd type="none" w="med" len="med"/>
+            <a:tailEnd type="none" w="med" len="med"/>
+          </a:ln>
+          <a:effectLst/>
+        </p:spPr>
+        <p:txBody>
+          <a:bodyPr vert="horz" wrap="square" lIns="91440" tIns="45720" rIns="91440" bIns="45720" numCol="1" rtlCol="0" anchor="ctr" anchorCtr="0" compatLnSpc="1">
+            <a:prstTxWarp prst="textNoShape">
+              <a:avLst/>
+            </a:prstTxWarp>
+            <a:spAutoFit/>
+          </a:bodyPr>
+          <a:lstStyle/>
+          <a:p>
+            <a:pPr marL="0" marR="0" indent="0" algn="ctr" defTabSz="914400" rtl="0" eaLnBrk="1" fontAlgn="base" latinLnBrk="1" hangingPunct="1">
+              <a:lnSpc>
+                <a:spcPct val="100000"/>
+              </a:lnSpc>
+              <a:spcBef>
+                <a:spcPct val="50000"/>
+              </a:spcBef>
+              <a:spcAft>
+                <a:spcPct val="0"/>
+              </a:spcAft>
+              <a:buClrTx/>
+              <a:buSzTx/>
+              <a:buFontTx/>
+              <a:buNone/>
+              <a:tabLst/>
+            </a:pPr>
+            <a:r>
+              <a:rPr kumimoji="1" lang="ko-KR" altLang="en-US" sz="1050" b="0" i="0" u="none" strike="noStrike" cap="none" normalizeH="0" baseline="0" dirty="0">
+                <a:ln>
+                  <a:noFill/>
+                </a:ln>
+                <a:solidFill>
+                  <a:schemeClr val="tx1"/>
+                </a:solidFill>
+                <a:effectLst/>
+                <a:latin typeface="굴림" pitchFamily="50" charset="-127"/>
+                <a:ea typeface="굴림" pitchFamily="50" charset="-127"/>
+              </a:rPr>
+              <a:t>내용</a:t>
+            </a:r>
+          </a:p>
+        </p:txBody>
+      </p:sp>
+      <p:sp>
+        <p:nvSpPr>
+          <p:cNvPr id="9" name="직사각형 8">
+            <a:extLst>
+              <a:ext uri="{FF2B5EF4-FFF2-40B4-BE49-F238E27FC236}">
+                <a16:creationId xmlns:a16="http://schemas.microsoft.com/office/drawing/2014/main" id="{9516A53F-5DA5-1ABB-4517-5D4FF88A9B59}"/>
+              </a:ext>
+            </a:extLst>
+          </p:cNvPr>
+          <p:cNvSpPr/>
+          <p:nvPr/>
+        </p:nvSpPr>
+        <p:spPr bwMode="auto">
+          <a:xfrm>
+            <a:off x="8082113" y="1998147"/>
+            <a:ext cx="622286" cy="215444"/>
+          </a:xfrm>
+          <a:prstGeom prst="rect">
+            <a:avLst/>
+          </a:prstGeom>
+          <a:noFill/>
+          <a:ln w="9525" cap="flat" cmpd="sng" algn="ctr">
+            <a:noFill/>
+            <a:prstDash val="solid"/>
+            <a:round/>
+            <a:headEnd type="none" w="med" len="med"/>
+            <a:tailEnd type="none" w="med" len="med"/>
+          </a:ln>
+          <a:effectLst/>
+        </p:spPr>
+        <p:txBody>
+          <a:bodyPr vert="horz" wrap="none" lIns="91440" tIns="45720" rIns="91440" bIns="45720" numCol="1" rtlCol="0" anchor="ctr" anchorCtr="0" compatLnSpc="1">
+            <a:prstTxWarp prst="textNoShape">
+              <a:avLst/>
+            </a:prstTxWarp>
+            <a:spAutoFit/>
+          </a:bodyPr>
+          <a:lstStyle/>
+          <a:p>
+            <a:pPr marL="0" marR="0" indent="0" algn="ctr" defTabSz="914400" rtl="0" eaLnBrk="1" fontAlgn="base" latinLnBrk="1" hangingPunct="1">
+              <a:lnSpc>
+                <a:spcPct val="100000"/>
+              </a:lnSpc>
+              <a:spcBef>
+                <a:spcPct val="50000"/>
+              </a:spcBef>
+              <a:spcAft>
+                <a:spcPct val="0"/>
+              </a:spcAft>
+              <a:buClrTx/>
+              <a:buSzTx/>
+              <a:buFontTx/>
+              <a:buNone/>
+              <a:tabLst/>
+            </a:pPr>
+            <a:r>
+              <a:rPr kumimoji="1" lang="ko-KR" altLang="en-US" sz="800" b="1" i="0" u="none" strike="noStrike" cap="none" normalizeH="0" baseline="0" dirty="0">
+                <a:ln>
+                  <a:noFill/>
+                </a:ln>
+                <a:solidFill>
+                  <a:schemeClr val="tx1"/>
+                </a:solidFill>
+                <a:effectLst/>
+                <a:latin typeface="굴림" pitchFamily="50" charset="-127"/>
+                <a:ea typeface="굴림" pitchFamily="50" charset="-127"/>
+              </a:rPr>
+              <a:t>메모 번호</a:t>
+            </a:r>
+          </a:p>
+        </p:txBody>
+      </p:sp>
+      <p:sp>
+        <p:nvSpPr>
+          <p:cNvPr id="14" name="직사각형 13">
+            <a:extLst>
+              <a:ext uri="{FF2B5EF4-FFF2-40B4-BE49-F238E27FC236}">
+                <a16:creationId xmlns:a16="http://schemas.microsoft.com/office/drawing/2014/main" id="{815BF3F8-53BA-43E1-1B15-271B99970969}"/>
+              </a:ext>
+            </a:extLst>
+          </p:cNvPr>
+          <p:cNvSpPr/>
+          <p:nvPr/>
+        </p:nvSpPr>
+        <p:spPr bwMode="auto">
+          <a:xfrm>
+            <a:off x="8073693" y="3705627"/>
+            <a:ext cx="622286" cy="215444"/>
+          </a:xfrm>
+          <a:prstGeom prst="rect">
+            <a:avLst/>
+          </a:prstGeom>
+          <a:noFill/>
+          <a:ln w="9525" cap="flat" cmpd="sng" algn="ctr">
+            <a:noFill/>
+            <a:prstDash val="solid"/>
+            <a:round/>
+            <a:headEnd type="none" w="med" len="med"/>
+            <a:tailEnd type="none" w="med" len="med"/>
+          </a:ln>
+          <a:effectLst/>
+        </p:spPr>
+        <p:txBody>
+          <a:bodyPr vert="horz" wrap="none" lIns="91440" tIns="45720" rIns="91440" bIns="45720" numCol="1" rtlCol="0" anchor="ctr" anchorCtr="0" compatLnSpc="1">
+            <a:prstTxWarp prst="textNoShape">
+              <a:avLst/>
+            </a:prstTxWarp>
+            <a:spAutoFit/>
+          </a:bodyPr>
+          <a:lstStyle/>
+          <a:p>
+            <a:pPr marL="0" marR="0" indent="0" algn="ctr" defTabSz="914400" rtl="0" eaLnBrk="1" fontAlgn="base" latinLnBrk="1" hangingPunct="1">
+              <a:lnSpc>
+                <a:spcPct val="100000"/>
+              </a:lnSpc>
+              <a:spcBef>
+                <a:spcPct val="50000"/>
+              </a:spcBef>
+              <a:spcAft>
+                <a:spcPct val="0"/>
+              </a:spcAft>
+              <a:buClrTx/>
+              <a:buSzTx/>
+              <a:buFontTx/>
+              <a:buNone/>
+              <a:tabLst/>
+            </a:pPr>
+            <a:r>
+              <a:rPr kumimoji="1" lang="ko-KR" altLang="en-US" sz="800" b="1" i="0" u="none" strike="noStrike" cap="none" normalizeH="0" baseline="0" dirty="0">
+                <a:ln>
+                  <a:noFill/>
+                </a:ln>
+                <a:solidFill>
+                  <a:schemeClr val="tx1"/>
+                </a:solidFill>
+                <a:effectLst/>
+                <a:latin typeface="굴림" pitchFamily="50" charset="-127"/>
+                <a:ea typeface="굴림" pitchFamily="50" charset="-127"/>
+              </a:rPr>
+              <a:t>메모 번호</a:t>
+            </a:r>
+          </a:p>
+        </p:txBody>
+      </p:sp>
+      <p:sp>
+        <p:nvSpPr>
+          <p:cNvPr id="16" name="직사각형 15">
+            <a:extLst>
+              <a:ext uri="{FF2B5EF4-FFF2-40B4-BE49-F238E27FC236}">
+                <a16:creationId xmlns:a16="http://schemas.microsoft.com/office/drawing/2014/main" id="{CDEE89BC-716C-7BFD-691D-BAA77422BD59}"/>
+              </a:ext>
+            </a:extLst>
+          </p:cNvPr>
+          <p:cNvSpPr/>
+          <p:nvPr/>
+        </p:nvSpPr>
+        <p:spPr bwMode="auto">
+          <a:xfrm>
+            <a:off x="8076049" y="2883490"/>
+            <a:ext cx="622286" cy="215444"/>
+          </a:xfrm>
+          <a:prstGeom prst="rect">
+            <a:avLst/>
+          </a:prstGeom>
+          <a:noFill/>
+          <a:ln w="9525" cap="flat" cmpd="sng" algn="ctr">
+            <a:noFill/>
+            <a:prstDash val="solid"/>
+            <a:round/>
+            <a:headEnd type="none" w="med" len="med"/>
+            <a:tailEnd type="none" w="med" len="med"/>
+          </a:ln>
+          <a:effectLst/>
+        </p:spPr>
+        <p:txBody>
+          <a:bodyPr vert="horz" wrap="none" lIns="91440" tIns="45720" rIns="91440" bIns="45720" numCol="1" rtlCol="0" anchor="ctr" anchorCtr="0" compatLnSpc="1">
+            <a:prstTxWarp prst="textNoShape">
+              <a:avLst/>
+            </a:prstTxWarp>
+            <a:spAutoFit/>
+          </a:bodyPr>
+          <a:lstStyle/>
+          <a:p>
+            <a:pPr marL="0" marR="0" indent="0" algn="ctr" defTabSz="914400" rtl="0" eaLnBrk="1" fontAlgn="base" latinLnBrk="1" hangingPunct="1">
+              <a:lnSpc>
+                <a:spcPct val="100000"/>
+              </a:lnSpc>
+              <a:spcBef>
+                <a:spcPct val="50000"/>
+              </a:spcBef>
+              <a:spcAft>
+                <a:spcPct val="0"/>
+              </a:spcAft>
+              <a:buClrTx/>
+              <a:buSzTx/>
+              <a:buFontTx/>
+              <a:buNone/>
+              <a:tabLst/>
+            </a:pPr>
+            <a:r>
+              <a:rPr kumimoji="1" lang="ko-KR" altLang="en-US" sz="800" b="1" i="0" u="none" strike="noStrike" cap="none" normalizeH="0" baseline="0" dirty="0">
+                <a:ln>
+                  <a:noFill/>
+                </a:ln>
+                <a:solidFill>
+                  <a:schemeClr val="tx1"/>
+                </a:solidFill>
+                <a:effectLst/>
+                <a:latin typeface="굴림" pitchFamily="50" charset="-127"/>
+                <a:ea typeface="굴림" pitchFamily="50" charset="-127"/>
+              </a:rPr>
+              <a:t>메모 번호</a:t>
+            </a:r>
           </a:p>
         </p:txBody>
       </p:sp>
@@ -15030,6 +15378,10 @@
           </p:nvPr>
         </p:nvSpPr>
         <p:spPr>
+          <a:xfrm>
+            <a:off x="126959" y="555014"/>
+            <a:ext cx="8928992" cy="3600400"/>
+          </a:xfrm>
           <a:gradFill>
             <a:gsLst>
               <a:gs pos="0">
@@ -15067,7 +15419,174 @@
             <a:pPr marL="0" indent="0">
               <a:buNone/>
             </a:pPr>
-            <a:endParaRPr lang="ko-KR" altLang="en-US" dirty="0"/>
+            <a:r>
+              <a:rPr lang="en-US" altLang="ko-KR" dirty="0"/>
+              <a:t>		                                         </a:t>
+            </a:r>
+            <a:r>
+              <a:rPr lang="ko-KR" altLang="en-US" sz="1400" b="1" dirty="0"/>
+              <a:t>메모 작성</a:t>
+            </a:r>
+            <a:endParaRPr lang="en-US" altLang="ko-KR" sz="1400" b="1" dirty="0"/>
+          </a:p>
+          <a:p>
+            <a:pPr marL="0" indent="0">
+              <a:buNone/>
+            </a:pPr>
+            <a:r>
+              <a:rPr lang="ko-KR" altLang="en-US" b="1" dirty="0"/>
+              <a:t>제목</a:t>
+            </a:r>
+            <a:endParaRPr lang="en-US" altLang="ko-KR" b="1" dirty="0"/>
+          </a:p>
+          <a:p>
+            <a:pPr marL="0" indent="0">
+              <a:buNone/>
+            </a:pPr>
+            <a:r>
+              <a:rPr lang="ko-KR" altLang="en-US" b="1" dirty="0"/>
+              <a:t>메모 제목을 입력하세요</a:t>
+            </a:r>
+            <a:r>
+              <a:rPr lang="en-US" altLang="ko-KR" b="1" dirty="0"/>
+              <a:t>.</a:t>
+            </a:r>
+          </a:p>
+          <a:p>
+            <a:pPr marL="0" indent="0">
+              <a:buNone/>
+            </a:pPr>
+            <a:endParaRPr lang="en-US" altLang="ko-KR" b="1" dirty="0"/>
+          </a:p>
+          <a:p>
+            <a:pPr marL="0" indent="0">
+              <a:buNone/>
+            </a:pPr>
+            <a:r>
+              <a:rPr lang="ko-KR" altLang="en-US" b="1" dirty="0"/>
+              <a:t>카테고리</a:t>
+            </a:r>
+            <a:endParaRPr lang="en-US" altLang="ko-KR" b="1" dirty="0"/>
+          </a:p>
+          <a:p>
+            <a:pPr marL="0" indent="0">
+              <a:buNone/>
+            </a:pPr>
+            <a:r>
+              <a:rPr lang="ko-KR" altLang="en-US" b="1" dirty="0"/>
+              <a:t>카테고리를 입력하세요</a:t>
+            </a:r>
+            <a:r>
+              <a:rPr lang="en-US" altLang="ko-KR" b="1" dirty="0"/>
+              <a:t>.</a:t>
+            </a:r>
+          </a:p>
+          <a:p>
+            <a:pPr marL="0" indent="0">
+              <a:buNone/>
+            </a:pPr>
+            <a:endParaRPr lang="en-US" altLang="ko-KR" b="1" dirty="0"/>
+          </a:p>
+          <a:p>
+            <a:pPr marL="0" indent="0">
+              <a:buNone/>
+            </a:pPr>
+            <a:r>
+              <a:rPr lang="ko-KR" altLang="en-US" b="1" dirty="0"/>
+              <a:t>내용</a:t>
+            </a:r>
+            <a:endParaRPr lang="en-US" altLang="ko-KR" b="1" dirty="0"/>
+          </a:p>
+          <a:p>
+            <a:pPr marL="0" indent="0">
+              <a:buNone/>
+            </a:pPr>
+            <a:r>
+              <a:rPr lang="ko-KR" altLang="en-US" b="1" dirty="0"/>
+              <a:t>메모 내용을 입력하세요</a:t>
+            </a:r>
+            <a:r>
+              <a:rPr lang="en-US" altLang="ko-KR" b="1" dirty="0"/>
+              <a:t>.</a:t>
+            </a:r>
+          </a:p>
+          <a:p>
+            <a:pPr marL="0" indent="0">
+              <a:buNone/>
+            </a:pPr>
+            <a:endParaRPr lang="en-US" altLang="ko-KR" b="1" dirty="0"/>
+          </a:p>
+          <a:p>
+            <a:pPr marL="0" indent="0">
+              <a:buNone/>
+            </a:pPr>
+            <a:endParaRPr lang="en-US" altLang="ko-KR" b="1" dirty="0"/>
+          </a:p>
+          <a:p>
+            <a:pPr marL="0" indent="0">
+              <a:buNone/>
+            </a:pPr>
+            <a:r>
+              <a:rPr lang="ko-KR" altLang="en-US" b="1" dirty="0"/>
+              <a:t>배경색 선택하기</a:t>
+            </a:r>
+            <a:r>
+              <a:rPr lang="en-US" altLang="ko-KR" b="1" dirty="0"/>
+              <a:t>		 </a:t>
+            </a:r>
+            <a:r>
+              <a:rPr lang="ko-KR" altLang="en-US" b="1" dirty="0"/>
+              <a:t>첨부 파일</a:t>
+            </a:r>
+            <a:endParaRPr lang="en-US" altLang="ko-KR" b="1" dirty="0"/>
+          </a:p>
+          <a:p>
+            <a:pPr marL="0" indent="0">
+              <a:buNone/>
+            </a:pPr>
+            <a:endParaRPr lang="en-US" altLang="ko-KR" b="1" dirty="0"/>
+          </a:p>
+          <a:p>
+            <a:pPr marL="0" indent="0">
+              <a:buNone/>
+            </a:pPr>
+            <a:endParaRPr lang="en-US" altLang="ko-KR" b="1" dirty="0"/>
+          </a:p>
+          <a:p>
+            <a:pPr marL="0" indent="0">
+              <a:buNone/>
+            </a:pPr>
+            <a:r>
+              <a:rPr lang="ko-KR" altLang="en-US" b="1" dirty="0"/>
+              <a:t>중요 여부</a:t>
+            </a:r>
+            <a:r>
+              <a:rPr lang="en-US" altLang="ko-KR" b="1" dirty="0"/>
+              <a:t>			 </a:t>
+            </a:r>
+            <a:r>
+              <a:rPr lang="ko-KR" altLang="en-US" b="1" dirty="0"/>
+              <a:t>메모 번호</a:t>
+            </a:r>
+            <a:endParaRPr lang="en-US" altLang="ko-KR" b="1" dirty="0"/>
+          </a:p>
+          <a:p>
+            <a:pPr marL="0" indent="0">
+              <a:buNone/>
+            </a:pPr>
+            <a:r>
+              <a:rPr lang="en-US" altLang="ko-KR" b="1" dirty="0"/>
+              <a:t>   </a:t>
+            </a:r>
+            <a:r>
+              <a:rPr lang="en-US" altLang="ko-KR" sz="1000" b="1" dirty="0"/>
+              <a:t> </a:t>
+            </a:r>
+            <a:r>
+              <a:rPr lang="ko-KR" altLang="en-US" sz="1000" b="1" dirty="0"/>
+              <a:t>중요 메모로 설정</a:t>
+            </a:r>
+            <a:endParaRPr lang="en-US" altLang="ko-KR" sz="1000" b="1" dirty="0"/>
           </a:p>
         </p:txBody>
       </p:sp>
@@ -15099,7 +15618,39 @@
           <a:p>
             <a:r>
               <a:rPr lang="ko-KR" altLang="en-US" dirty="0"/>
-              <a:t>메모 제목을 입력하는 곳                등록 버튼을 누르면 새 메모를 등록할 수 있다</a:t>
+              <a:t>메모 제목을 입력하는 곳</a:t>
+            </a:r>
+            <a:r>
+              <a:rPr lang="en-US" altLang="ko-KR" dirty="0"/>
+              <a:t>	 </a:t>
+            </a:r>
+            <a:r>
+              <a:rPr lang="ko-KR" altLang="en-US" dirty="0"/>
+              <a:t>메모 내용을 작성하는 곳</a:t>
+            </a:r>
+            <a:r>
+              <a:rPr lang="en-US" altLang="ko-KR" dirty="0"/>
+              <a:t>. 	                    </a:t>
+            </a:r>
+            <a:r>
+              <a:rPr lang="ko-KR" altLang="en-US" dirty="0"/>
+              <a:t>배경색</a:t>
+            </a:r>
+            <a:r>
+              <a:rPr lang="en-US" altLang="ko-KR" dirty="0"/>
+              <a:t>,</a:t>
+            </a:r>
+            <a:r>
+              <a:rPr lang="ko-KR" altLang="en-US" dirty="0"/>
+              <a:t> 첨부파일을 선택할 수 있고</a:t>
+            </a:r>
+            <a:r>
+              <a:rPr lang="en-US" altLang="ko-KR" dirty="0"/>
+              <a:t>, </a:t>
+            </a:r>
+            <a:r>
+              <a:rPr lang="ko-KR" altLang="en-US" dirty="0"/>
+              <a:t>중요 여부 및 메모 번호를 설정할 수 있다</a:t>
             </a:r>
             <a:r>
               <a:rPr lang="en-US" altLang="ko-KR" dirty="0"/>
@@ -15112,31 +15663,15 @@
           <a:p>
             <a:r>
               <a:rPr lang="ko-KR" altLang="en-US" dirty="0"/>
-              <a:t>메모 내용을 입력하는 곳</a:t>
+              <a:t>카테고리를 입력하는 곳</a:t>
             </a:r>
             <a:r>
               <a:rPr lang="en-US" altLang="ko-KR" dirty="0"/>
-              <a:t>.	 </a:t>
+              <a:t>.	</a:t>
             </a:r>
             <a:r>
               <a:rPr lang="ko-KR" altLang="en-US" dirty="0"/>
-              <a:t>카테고리</a:t>
-            </a:r>
-            <a:r>
-              <a:rPr lang="en-US" altLang="ko-KR" dirty="0"/>
-              <a:t>, </a:t>
-            </a:r>
-            <a:r>
-              <a:rPr lang="ko-KR" altLang="en-US" dirty="0"/>
-              <a:t>배경색</a:t>
-            </a:r>
-            <a:r>
-              <a:rPr lang="en-US" altLang="ko-KR" dirty="0"/>
-              <a:t>, </a:t>
-            </a:r>
-            <a:r>
-              <a:rPr lang="ko-KR" altLang="en-US" dirty="0"/>
-              <a:t>첨부파일을 선택할 수 있는 공간으로 구현할 예정</a:t>
+              <a:t>등록 버튼을 누르면 작성한 메모를 등록할 수 있다</a:t>
             </a:r>
             <a:r>
               <a:rPr lang="en-US" altLang="ko-KR" dirty="0"/>
@@ -15590,7 +16125,7 @@
         </p:nvSpPr>
         <p:spPr bwMode="auto">
           <a:xfrm>
-            <a:off x="251520" y="664530"/>
+            <a:off x="208514" y="1701488"/>
             <a:ext cx="8640960" cy="215444"/>
           </a:xfrm>
           <a:prstGeom prst="rect">
@@ -15661,7 +16196,7 @@
         </p:nvSpPr>
         <p:spPr bwMode="auto">
           <a:xfrm>
-            <a:off x="251520" y="1059582"/>
+            <a:off x="210424" y="1048376"/>
             <a:ext cx="8640960" cy="216024"/>
           </a:xfrm>
           <a:prstGeom prst="rect">
@@ -15732,8 +16267,8 @@
         </p:nvSpPr>
         <p:spPr bwMode="auto">
           <a:xfrm>
-            <a:off x="251520" y="1419622"/>
-            <a:ext cx="8640960" cy="2376264"/>
+            <a:off x="208514" y="2385604"/>
+            <a:ext cx="8611958" cy="480863"/>
           </a:xfrm>
           <a:prstGeom prst="rect">
             <a:avLst/>
@@ -15751,7 +16286,7 @@
           <a:effectLst/>
         </p:spPr>
         <p:txBody>
-          <a:bodyPr vert="horz" wrap="none" lIns="91440" tIns="45720" rIns="91440" bIns="45720" numCol="1" rtlCol="0" anchor="ctr" anchorCtr="0" compatLnSpc="1">
+          <a:bodyPr vert="horz" wrap="square" lIns="91440" tIns="45720" rIns="91440" bIns="45720" numCol="1" rtlCol="0" anchor="ctr" anchorCtr="0" compatLnSpc="1">
             <a:prstTxWarp prst="textNoShape">
               <a:avLst/>
             </a:prstTxWarp>
@@ -15881,7 +16416,7 @@
         </p:nvSpPr>
         <p:spPr bwMode="auto">
           <a:xfrm>
-            <a:off x="4482000" y="689702"/>
+            <a:off x="4442804" y="1066388"/>
             <a:ext cx="180000" cy="180000"/>
           </a:xfrm>
           <a:prstGeom prst="ellipse">
@@ -16034,7 +16569,7 @@
         </p:nvSpPr>
         <p:spPr bwMode="auto">
           <a:xfrm>
-            <a:off x="4482000" y="2391750"/>
+            <a:off x="4443081" y="1715177"/>
             <a:ext cx="180000" cy="180000"/>
           </a:xfrm>
           <a:prstGeom prst="ellipse">
@@ -16187,7 +16722,7 @@
         </p:nvSpPr>
         <p:spPr bwMode="auto">
           <a:xfrm>
-            <a:off x="7931992" y="3901114"/>
+            <a:off x="4442804" y="2536576"/>
             <a:ext cx="180000" cy="180000"/>
           </a:xfrm>
           <a:prstGeom prst="ellipse">
@@ -16493,7 +17028,7 @@
         </p:nvSpPr>
         <p:spPr bwMode="auto">
           <a:xfrm>
-            <a:off x="4482000" y="1077594"/>
+            <a:off x="7848807" y="3915124"/>
             <a:ext cx="180000" cy="180000"/>
           </a:xfrm>
           <a:prstGeom prst="ellipse">
@@ -16780,6 +17315,684 @@
               <a:t>4</a:t>
             </a:r>
             <a:endParaRPr lang="ko-KR" altLang="en-US" b="1" dirty="0"/>
+          </a:p>
+        </p:txBody>
+      </p:sp>
+      <p:sp>
+        <p:nvSpPr>
+          <p:cNvPr id="9" name="직사각형 8">
+            <a:extLst>
+              <a:ext uri="{FF2B5EF4-FFF2-40B4-BE49-F238E27FC236}">
+                <a16:creationId xmlns:a16="http://schemas.microsoft.com/office/drawing/2014/main" id="{210DC888-BC40-E82A-9ACD-500F51EB22EA}"/>
+              </a:ext>
+            </a:extLst>
+          </p:cNvPr>
+          <p:cNvSpPr/>
+          <p:nvPr/>
+        </p:nvSpPr>
+        <p:spPr bwMode="auto">
+          <a:xfrm>
+            <a:off x="251520" y="3279925"/>
+            <a:ext cx="426720" cy="215444"/>
+          </a:xfrm>
+          <a:prstGeom prst="rect">
+            <a:avLst/>
+          </a:prstGeom>
+          <a:noFill/>
+          <a:ln w="9525" cap="flat" cmpd="sng" algn="ctr">
+            <a:solidFill>
+              <a:schemeClr val="tx1"/>
+            </a:solidFill>
+            <a:prstDash val="solid"/>
+            <a:round/>
+            <a:headEnd type="none" w="med" len="med"/>
+            <a:tailEnd type="none" w="med" len="med"/>
+          </a:ln>
+          <a:effectLst/>
+        </p:spPr>
+        <p:txBody>
+          <a:bodyPr vert="horz" wrap="none" lIns="91440" tIns="45720" rIns="91440" bIns="45720" numCol="1" rtlCol="0" anchor="ctr" anchorCtr="0" compatLnSpc="1">
+            <a:prstTxWarp prst="textNoShape">
+              <a:avLst/>
+            </a:prstTxWarp>
+            <a:spAutoFit/>
+          </a:bodyPr>
+          <a:lstStyle/>
+          <a:p>
+            <a:pPr marL="0" marR="0" indent="0" algn="ctr" defTabSz="914400" rtl="0" eaLnBrk="1" fontAlgn="base" latinLnBrk="1" hangingPunct="1">
+              <a:lnSpc>
+                <a:spcPct val="100000"/>
+              </a:lnSpc>
+              <a:spcBef>
+                <a:spcPct val="50000"/>
+              </a:spcBef>
+              <a:spcAft>
+                <a:spcPct val="0"/>
+              </a:spcAft>
+              <a:buClrTx/>
+              <a:buSzTx/>
+              <a:buFontTx/>
+              <a:buNone/>
+              <a:tabLst/>
+            </a:pPr>
+            <a:r>
+              <a:rPr kumimoji="1" lang="en-US" altLang="ko-KR" sz="800" b="0" i="0" u="none" strike="noStrike" cap="none" normalizeH="0" baseline="0" dirty="0">
+                <a:ln>
+                  <a:noFill/>
+                </a:ln>
+                <a:solidFill>
+                  <a:schemeClr val="tx1"/>
+                </a:solidFill>
+                <a:effectLst/>
+                <a:latin typeface="굴림" pitchFamily="50" charset="-127"/>
+                <a:ea typeface="굴림" pitchFamily="50" charset="-127"/>
+              </a:rPr>
+              <a:t>color</a:t>
+            </a:r>
+            <a:endParaRPr kumimoji="1" lang="ko-KR" altLang="en-US" sz="800" b="0" i="0" u="none" strike="noStrike" cap="none" normalizeH="0" baseline="0" dirty="0">
+              <a:ln>
+                <a:noFill/>
+              </a:ln>
+              <a:solidFill>
+                <a:schemeClr val="tx1"/>
+              </a:solidFill>
+              <a:effectLst/>
+              <a:latin typeface="굴림" pitchFamily="50" charset="-127"/>
+              <a:ea typeface="굴림" pitchFamily="50" charset="-127"/>
+            </a:endParaRPr>
+          </a:p>
+        </p:txBody>
+      </p:sp>
+      <p:sp>
+        <p:nvSpPr>
+          <p:cNvPr id="12" name="직사각형 11">
+            <a:extLst>
+              <a:ext uri="{FF2B5EF4-FFF2-40B4-BE49-F238E27FC236}">
+                <a16:creationId xmlns:a16="http://schemas.microsoft.com/office/drawing/2014/main" id="{1554C194-5D4A-A756-A3B1-1076B0CACD5E}"/>
+              </a:ext>
+            </a:extLst>
+          </p:cNvPr>
+          <p:cNvSpPr/>
+          <p:nvPr/>
+        </p:nvSpPr>
+        <p:spPr bwMode="auto">
+          <a:xfrm>
+            <a:off x="2987824" y="3261054"/>
+            <a:ext cx="720080" cy="215444"/>
+          </a:xfrm>
+          <a:prstGeom prst="rect">
+            <a:avLst/>
+          </a:prstGeom>
+          <a:noFill/>
+          <a:ln w="9525" cap="flat" cmpd="sng" algn="ctr">
+            <a:solidFill>
+              <a:schemeClr val="tx1"/>
+            </a:solidFill>
+            <a:prstDash val="solid"/>
+            <a:round/>
+            <a:headEnd type="none" w="med" len="med"/>
+            <a:tailEnd type="none" w="med" len="med"/>
+          </a:ln>
+          <a:effectLst/>
+        </p:spPr>
+        <p:txBody>
+          <a:bodyPr vert="horz" wrap="square" lIns="91440" tIns="45720" rIns="91440" bIns="45720" numCol="1" rtlCol="0" anchor="ctr" anchorCtr="0" compatLnSpc="1">
+            <a:prstTxWarp prst="textNoShape">
+              <a:avLst/>
+            </a:prstTxWarp>
+            <a:spAutoFit/>
+          </a:bodyPr>
+          <a:lstStyle/>
+          <a:p>
+            <a:pPr marL="0" marR="0" indent="0" algn="ctr" defTabSz="914400" rtl="0" eaLnBrk="1" fontAlgn="base" latinLnBrk="1" hangingPunct="1">
+              <a:lnSpc>
+                <a:spcPct val="100000"/>
+              </a:lnSpc>
+              <a:spcBef>
+                <a:spcPct val="50000"/>
+              </a:spcBef>
+              <a:spcAft>
+                <a:spcPct val="0"/>
+              </a:spcAft>
+              <a:buClrTx/>
+              <a:buSzTx/>
+              <a:buFontTx/>
+              <a:buNone/>
+              <a:tabLst/>
+            </a:pPr>
+            <a:r>
+              <a:rPr kumimoji="1" lang="ko-KR" altLang="en-US" sz="800" b="0" i="0" u="none" strike="noStrike" cap="none" normalizeH="0" baseline="0" dirty="0">
+                <a:ln>
+                  <a:noFill/>
+                </a:ln>
+                <a:solidFill>
+                  <a:schemeClr val="tx1"/>
+                </a:solidFill>
+                <a:effectLst/>
+                <a:latin typeface="굴림" pitchFamily="50" charset="-127"/>
+                <a:ea typeface="굴림" pitchFamily="50" charset="-127"/>
+              </a:rPr>
+              <a:t>파일 선택</a:t>
+            </a:r>
+          </a:p>
+        </p:txBody>
+      </p:sp>
+      <p:sp>
+        <p:nvSpPr>
+          <p:cNvPr id="20" name="타원 9">
+            <a:extLst>
+              <a:ext uri="{FF2B5EF4-FFF2-40B4-BE49-F238E27FC236}">
+                <a16:creationId xmlns:a16="http://schemas.microsoft.com/office/drawing/2014/main" id="{A29DF527-ED0D-FB14-A2F0-AD97633F83B0}"/>
+              </a:ext>
+            </a:extLst>
+          </p:cNvPr>
+          <p:cNvSpPr>
+            <a:spLocks noChangeArrowheads="1"/>
+          </p:cNvSpPr>
+          <p:nvPr/>
+        </p:nvSpPr>
+        <p:spPr bwMode="auto">
+          <a:xfrm>
+            <a:off x="5148064" y="3495369"/>
+            <a:ext cx="180000" cy="180000"/>
+          </a:xfrm>
+          <a:prstGeom prst="ellipse">
+            <a:avLst/>
+          </a:prstGeom>
+          <a:solidFill>
+            <a:srgbClr val="FFFF00"/>
+          </a:solidFill>
+          <a:ln w="9525" algn="ctr">
+            <a:solidFill>
+              <a:schemeClr val="tx1"/>
+            </a:solidFill>
+            <a:round/>
+            <a:headEnd/>
+            <a:tailEnd/>
+          </a:ln>
+        </p:spPr>
+        <p:txBody>
+          <a:bodyPr wrap="none" lIns="0" tIns="0" rIns="0" bIns="0" anchor="ctr"/>
+          <a:lstStyle>
+            <a:lvl1pPr eaLnBrk="0" hangingPunct="0">
+              <a:defRPr kumimoji="1" sz="800">
+                <a:solidFill>
+                  <a:schemeClr val="tx1"/>
+                </a:solidFill>
+                <a:latin typeface="굴림" pitchFamily="50" charset="-127"/>
+                <a:ea typeface="굴림" pitchFamily="50" charset="-127"/>
+              </a:defRPr>
+            </a:lvl1pPr>
+            <a:lvl2pPr marL="742950" indent="-285750" eaLnBrk="0" hangingPunct="0">
+              <a:defRPr kumimoji="1" sz="800">
+                <a:solidFill>
+                  <a:schemeClr val="tx1"/>
+                </a:solidFill>
+                <a:latin typeface="굴림" pitchFamily="50" charset="-127"/>
+                <a:ea typeface="굴림" pitchFamily="50" charset="-127"/>
+              </a:defRPr>
+            </a:lvl2pPr>
+            <a:lvl3pPr marL="1143000" indent="-228600" eaLnBrk="0" hangingPunct="0">
+              <a:defRPr kumimoji="1" sz="800">
+                <a:solidFill>
+                  <a:schemeClr val="tx1"/>
+                </a:solidFill>
+                <a:latin typeface="굴림" pitchFamily="50" charset="-127"/>
+                <a:ea typeface="굴림" pitchFamily="50" charset="-127"/>
+              </a:defRPr>
+            </a:lvl3pPr>
+            <a:lvl4pPr marL="1600200" indent="-228600" eaLnBrk="0" hangingPunct="0">
+              <a:defRPr kumimoji="1" sz="800">
+                <a:solidFill>
+                  <a:schemeClr val="tx1"/>
+                </a:solidFill>
+                <a:latin typeface="굴림" pitchFamily="50" charset="-127"/>
+                <a:ea typeface="굴림" pitchFamily="50" charset="-127"/>
+              </a:defRPr>
+            </a:lvl4pPr>
+            <a:lvl5pPr marL="2057400" indent="-228600" eaLnBrk="0" hangingPunct="0">
+              <a:defRPr kumimoji="1" sz="800">
+                <a:solidFill>
+                  <a:schemeClr val="tx1"/>
+                </a:solidFill>
+                <a:latin typeface="굴림" pitchFamily="50" charset="-127"/>
+                <a:ea typeface="굴림" pitchFamily="50" charset="-127"/>
+              </a:defRPr>
+            </a:lvl5pPr>
+            <a:lvl6pPr marL="2514600" indent="-228600" algn="ctr" eaLnBrk="0" fontAlgn="base" hangingPunct="0">
+              <a:spcBef>
+                <a:spcPct val="50000"/>
+              </a:spcBef>
+              <a:spcAft>
+                <a:spcPct val="0"/>
+              </a:spcAft>
+              <a:defRPr kumimoji="1" sz="800">
+                <a:solidFill>
+                  <a:schemeClr val="tx1"/>
+                </a:solidFill>
+                <a:latin typeface="굴림" pitchFamily="50" charset="-127"/>
+                <a:ea typeface="굴림" pitchFamily="50" charset="-127"/>
+              </a:defRPr>
+            </a:lvl6pPr>
+            <a:lvl7pPr marL="2971800" indent="-228600" algn="ctr" eaLnBrk="0" fontAlgn="base" hangingPunct="0">
+              <a:spcBef>
+                <a:spcPct val="50000"/>
+              </a:spcBef>
+              <a:spcAft>
+                <a:spcPct val="0"/>
+              </a:spcAft>
+              <a:defRPr kumimoji="1" sz="800">
+                <a:solidFill>
+                  <a:schemeClr val="tx1"/>
+                </a:solidFill>
+                <a:latin typeface="굴림" pitchFamily="50" charset="-127"/>
+                <a:ea typeface="굴림" pitchFamily="50" charset="-127"/>
+              </a:defRPr>
+            </a:lvl7pPr>
+            <a:lvl8pPr marL="3429000" indent="-228600" algn="ctr" eaLnBrk="0" fontAlgn="base" hangingPunct="0">
+              <a:spcBef>
+                <a:spcPct val="50000"/>
+              </a:spcBef>
+              <a:spcAft>
+                <a:spcPct val="0"/>
+              </a:spcAft>
+              <a:defRPr kumimoji="1" sz="800">
+                <a:solidFill>
+                  <a:schemeClr val="tx1"/>
+                </a:solidFill>
+                <a:latin typeface="굴림" pitchFamily="50" charset="-127"/>
+                <a:ea typeface="굴림" pitchFamily="50" charset="-127"/>
+              </a:defRPr>
+            </a:lvl8pPr>
+            <a:lvl9pPr marL="3886200" indent="-228600" algn="ctr" eaLnBrk="0" fontAlgn="base" hangingPunct="0">
+              <a:spcBef>
+                <a:spcPct val="50000"/>
+              </a:spcBef>
+              <a:spcAft>
+                <a:spcPct val="0"/>
+              </a:spcAft>
+              <a:defRPr kumimoji="1" sz="800">
+                <a:solidFill>
+                  <a:schemeClr val="tx1"/>
+                </a:solidFill>
+                <a:latin typeface="굴림" pitchFamily="50" charset="-127"/>
+                <a:ea typeface="굴림" pitchFamily="50" charset="-127"/>
+              </a:defRPr>
+            </a:lvl9pPr>
+          </a:lstStyle>
+          <a:p>
+            <a:pPr eaLnBrk="1" hangingPunct="1"/>
+            <a:r>
+              <a:rPr lang="en-US" altLang="ko-KR" b="1" dirty="0"/>
+              <a:t>5</a:t>
+            </a:r>
+            <a:endParaRPr lang="ko-KR" altLang="en-US" b="1" dirty="0"/>
+          </a:p>
+        </p:txBody>
+      </p:sp>
+      <p:sp>
+        <p:nvSpPr>
+          <p:cNvPr id="21" name="직사각형 20">
+            <a:extLst>
+              <a:ext uri="{FF2B5EF4-FFF2-40B4-BE49-F238E27FC236}">
+                <a16:creationId xmlns:a16="http://schemas.microsoft.com/office/drawing/2014/main" id="{ED97B4F3-6430-26E8-D4E9-1EA651F17358}"/>
+              </a:ext>
+            </a:extLst>
+          </p:cNvPr>
+          <p:cNvSpPr/>
+          <p:nvPr/>
+        </p:nvSpPr>
+        <p:spPr bwMode="auto">
+          <a:xfrm>
+            <a:off x="149534" y="3035404"/>
+            <a:ext cx="4918885" cy="1120009"/>
+          </a:xfrm>
+          <a:prstGeom prst="rect">
+            <a:avLst/>
+          </a:prstGeom>
+          <a:noFill/>
+          <a:ln w="9525" cap="flat" cmpd="sng" algn="ctr">
+            <a:solidFill>
+              <a:srgbClr val="FF0000"/>
+            </a:solidFill>
+            <a:prstDash val="solid"/>
+            <a:round/>
+            <a:headEnd type="none" w="med" len="med"/>
+            <a:tailEnd type="none" w="med" len="med"/>
+          </a:ln>
+          <a:effectLst/>
+        </p:spPr>
+        <p:txBody>
+          <a:bodyPr vert="horz" wrap="square" lIns="91440" tIns="45720" rIns="91440" bIns="45720" numCol="1" rtlCol="0" anchor="ctr" anchorCtr="0" compatLnSpc="1">
+            <a:prstTxWarp prst="textNoShape">
+              <a:avLst/>
+            </a:prstTxWarp>
+            <a:spAutoFit/>
+          </a:bodyPr>
+          <a:lstStyle/>
+          <a:p>
+            <a:pPr marL="0" marR="0" indent="0" algn="ctr" defTabSz="914400" rtl="0" eaLnBrk="1" fontAlgn="base" latinLnBrk="1" hangingPunct="1">
+              <a:lnSpc>
+                <a:spcPct val="100000"/>
+              </a:lnSpc>
+              <a:spcBef>
+                <a:spcPct val="50000"/>
+              </a:spcBef>
+              <a:spcAft>
+                <a:spcPct val="0"/>
+              </a:spcAft>
+              <a:buClrTx/>
+              <a:buSzTx/>
+              <a:buFontTx/>
+              <a:buNone/>
+              <a:tabLst/>
+            </a:pPr>
+            <a:endParaRPr kumimoji="1" lang="ko-KR" altLang="en-US" sz="800" b="0" i="0" u="none" strike="noStrike" cap="none" normalizeH="0" baseline="0">
+              <a:ln>
+                <a:noFill/>
+              </a:ln>
+              <a:solidFill>
+                <a:schemeClr val="tx1"/>
+              </a:solidFill>
+              <a:effectLst/>
+              <a:latin typeface="굴림" pitchFamily="50" charset="-127"/>
+              <a:ea typeface="굴림" pitchFamily="50" charset="-127"/>
+            </a:endParaRPr>
+          </a:p>
+        </p:txBody>
+      </p:sp>
+      <p:sp>
+        <p:nvSpPr>
+          <p:cNvPr id="24" name="타원 9">
+            <a:extLst>
+              <a:ext uri="{FF2B5EF4-FFF2-40B4-BE49-F238E27FC236}">
+                <a16:creationId xmlns:a16="http://schemas.microsoft.com/office/drawing/2014/main" id="{C93ABDFD-F1FE-98C3-0779-D2189DB10746}"/>
+              </a:ext>
+            </a:extLst>
+          </p:cNvPr>
+          <p:cNvSpPr>
+            <a:spLocks noChangeArrowheads="1"/>
+          </p:cNvSpPr>
+          <p:nvPr/>
+        </p:nvSpPr>
+        <p:spPr bwMode="auto">
+          <a:xfrm>
+            <a:off x="4702298" y="4467286"/>
+            <a:ext cx="180000" cy="180000"/>
+          </a:xfrm>
+          <a:prstGeom prst="ellipse">
+            <a:avLst/>
+          </a:prstGeom>
+          <a:solidFill>
+            <a:srgbClr val="FFFF00"/>
+          </a:solidFill>
+          <a:ln w="9525" algn="ctr">
+            <a:solidFill>
+              <a:schemeClr val="tx1"/>
+            </a:solidFill>
+            <a:round/>
+            <a:headEnd/>
+            <a:tailEnd/>
+          </a:ln>
+        </p:spPr>
+        <p:txBody>
+          <a:bodyPr wrap="none" lIns="0" tIns="0" rIns="0" bIns="0" anchor="ctr"/>
+          <a:lstStyle>
+            <a:lvl1pPr eaLnBrk="0" hangingPunct="0">
+              <a:defRPr kumimoji="1" sz="800">
+                <a:solidFill>
+                  <a:schemeClr val="tx1"/>
+                </a:solidFill>
+                <a:latin typeface="굴림" pitchFamily="50" charset="-127"/>
+                <a:ea typeface="굴림" pitchFamily="50" charset="-127"/>
+              </a:defRPr>
+            </a:lvl1pPr>
+            <a:lvl2pPr marL="742950" indent="-285750" eaLnBrk="0" hangingPunct="0">
+              <a:defRPr kumimoji="1" sz="800">
+                <a:solidFill>
+                  <a:schemeClr val="tx1"/>
+                </a:solidFill>
+                <a:latin typeface="굴림" pitchFamily="50" charset="-127"/>
+                <a:ea typeface="굴림" pitchFamily="50" charset="-127"/>
+              </a:defRPr>
+            </a:lvl2pPr>
+            <a:lvl3pPr marL="1143000" indent="-228600" eaLnBrk="0" hangingPunct="0">
+              <a:defRPr kumimoji="1" sz="800">
+                <a:solidFill>
+                  <a:schemeClr val="tx1"/>
+                </a:solidFill>
+                <a:latin typeface="굴림" pitchFamily="50" charset="-127"/>
+                <a:ea typeface="굴림" pitchFamily="50" charset="-127"/>
+              </a:defRPr>
+            </a:lvl3pPr>
+            <a:lvl4pPr marL="1600200" indent="-228600" eaLnBrk="0" hangingPunct="0">
+              <a:defRPr kumimoji="1" sz="800">
+                <a:solidFill>
+                  <a:schemeClr val="tx1"/>
+                </a:solidFill>
+                <a:latin typeface="굴림" pitchFamily="50" charset="-127"/>
+                <a:ea typeface="굴림" pitchFamily="50" charset="-127"/>
+              </a:defRPr>
+            </a:lvl4pPr>
+            <a:lvl5pPr marL="2057400" indent="-228600" eaLnBrk="0" hangingPunct="0">
+              <a:defRPr kumimoji="1" sz="800">
+                <a:solidFill>
+                  <a:schemeClr val="tx1"/>
+                </a:solidFill>
+                <a:latin typeface="굴림" pitchFamily="50" charset="-127"/>
+                <a:ea typeface="굴림" pitchFamily="50" charset="-127"/>
+              </a:defRPr>
+            </a:lvl5pPr>
+            <a:lvl6pPr marL="2514600" indent="-228600" algn="ctr" eaLnBrk="0" fontAlgn="base" hangingPunct="0">
+              <a:spcBef>
+                <a:spcPct val="50000"/>
+              </a:spcBef>
+              <a:spcAft>
+                <a:spcPct val="0"/>
+              </a:spcAft>
+              <a:defRPr kumimoji="1" sz="800">
+                <a:solidFill>
+                  <a:schemeClr val="tx1"/>
+                </a:solidFill>
+                <a:latin typeface="굴림" pitchFamily="50" charset="-127"/>
+                <a:ea typeface="굴림" pitchFamily="50" charset="-127"/>
+              </a:defRPr>
+            </a:lvl6pPr>
+            <a:lvl7pPr marL="2971800" indent="-228600" algn="ctr" eaLnBrk="0" fontAlgn="base" hangingPunct="0">
+              <a:spcBef>
+                <a:spcPct val="50000"/>
+              </a:spcBef>
+              <a:spcAft>
+                <a:spcPct val="0"/>
+              </a:spcAft>
+              <a:defRPr kumimoji="1" sz="800">
+                <a:solidFill>
+                  <a:schemeClr val="tx1"/>
+                </a:solidFill>
+                <a:latin typeface="굴림" pitchFamily="50" charset="-127"/>
+                <a:ea typeface="굴림" pitchFamily="50" charset="-127"/>
+              </a:defRPr>
+            </a:lvl7pPr>
+            <a:lvl8pPr marL="3429000" indent="-228600" algn="ctr" eaLnBrk="0" fontAlgn="base" hangingPunct="0">
+              <a:spcBef>
+                <a:spcPct val="50000"/>
+              </a:spcBef>
+              <a:spcAft>
+                <a:spcPct val="0"/>
+              </a:spcAft>
+              <a:defRPr kumimoji="1" sz="800">
+                <a:solidFill>
+                  <a:schemeClr val="tx1"/>
+                </a:solidFill>
+                <a:latin typeface="굴림" pitchFamily="50" charset="-127"/>
+                <a:ea typeface="굴림" pitchFamily="50" charset="-127"/>
+              </a:defRPr>
+            </a:lvl8pPr>
+            <a:lvl9pPr marL="3886200" indent="-228600" algn="ctr" eaLnBrk="0" fontAlgn="base" hangingPunct="0">
+              <a:spcBef>
+                <a:spcPct val="50000"/>
+              </a:spcBef>
+              <a:spcAft>
+                <a:spcPct val="0"/>
+              </a:spcAft>
+              <a:defRPr kumimoji="1" sz="800">
+                <a:solidFill>
+                  <a:schemeClr val="tx1"/>
+                </a:solidFill>
+                <a:latin typeface="굴림" pitchFamily="50" charset="-127"/>
+                <a:ea typeface="굴림" pitchFamily="50" charset="-127"/>
+              </a:defRPr>
+            </a:lvl9pPr>
+          </a:lstStyle>
+          <a:p>
+            <a:pPr eaLnBrk="1" hangingPunct="1"/>
+            <a:r>
+              <a:rPr lang="en-US" altLang="ko-KR" b="1" dirty="0"/>
+              <a:t>5</a:t>
+            </a:r>
+            <a:endParaRPr lang="ko-KR" altLang="en-US" b="1" dirty="0"/>
+          </a:p>
+        </p:txBody>
+      </p:sp>
+      <p:sp>
+        <p:nvSpPr>
+          <p:cNvPr id="14" name="직사각형 13">
+            <a:extLst>
+              <a:ext uri="{FF2B5EF4-FFF2-40B4-BE49-F238E27FC236}">
+                <a16:creationId xmlns:a16="http://schemas.microsoft.com/office/drawing/2014/main" id="{BD998EE5-CB1F-01E1-16C3-C3C433BB4C60}"/>
+              </a:ext>
+            </a:extLst>
+          </p:cNvPr>
+          <p:cNvSpPr/>
+          <p:nvPr/>
+        </p:nvSpPr>
+        <p:spPr bwMode="auto">
+          <a:xfrm>
+            <a:off x="222294" y="3955258"/>
+            <a:ext cx="144016" cy="131804"/>
+          </a:xfrm>
+          <a:prstGeom prst="rect">
+            <a:avLst/>
+          </a:prstGeom>
+          <a:noFill/>
+          <a:ln w="9525" cap="flat" cmpd="sng" algn="ctr">
+            <a:solidFill>
+              <a:schemeClr val="tx1"/>
+            </a:solidFill>
+            <a:prstDash val="solid"/>
+            <a:round/>
+            <a:headEnd type="none" w="med" len="med"/>
+            <a:tailEnd type="none" w="med" len="med"/>
+          </a:ln>
+          <a:effectLst/>
+        </p:spPr>
+        <p:txBody>
+          <a:bodyPr vert="horz" wrap="none" lIns="91440" tIns="45720" rIns="91440" bIns="45720" numCol="1" rtlCol="0" anchor="ctr" anchorCtr="0" compatLnSpc="1">
+            <a:prstTxWarp prst="textNoShape">
+              <a:avLst/>
+            </a:prstTxWarp>
+            <a:spAutoFit/>
+          </a:bodyPr>
+          <a:lstStyle/>
+          <a:p>
+            <a:pPr marL="0" marR="0" indent="0" algn="ctr" defTabSz="914400" rtl="0" eaLnBrk="1" fontAlgn="base" latinLnBrk="1" hangingPunct="1">
+              <a:lnSpc>
+                <a:spcPct val="100000"/>
+              </a:lnSpc>
+              <a:spcBef>
+                <a:spcPct val="50000"/>
+              </a:spcBef>
+              <a:spcAft>
+                <a:spcPct val="0"/>
+              </a:spcAft>
+              <a:buClrTx/>
+              <a:buSzTx/>
+              <a:buFontTx/>
+              <a:buNone/>
+              <a:tabLst/>
+            </a:pPr>
+            <a:endParaRPr kumimoji="1" lang="ko-KR" altLang="en-US" sz="800" b="0" i="0" u="none" strike="noStrike" cap="none" normalizeH="0" baseline="0">
+              <a:ln>
+                <a:noFill/>
+              </a:ln>
+              <a:solidFill>
+                <a:schemeClr val="tx1"/>
+              </a:solidFill>
+              <a:effectLst/>
+              <a:latin typeface="굴림" pitchFamily="50" charset="-127"/>
+              <a:ea typeface="굴림" pitchFamily="50" charset="-127"/>
+            </a:endParaRPr>
+          </a:p>
+        </p:txBody>
+      </p:sp>
+      <p:sp>
+        <p:nvSpPr>
+          <p:cNvPr id="25" name="직사각형 24">
+            <a:extLst>
+              <a:ext uri="{FF2B5EF4-FFF2-40B4-BE49-F238E27FC236}">
+                <a16:creationId xmlns:a16="http://schemas.microsoft.com/office/drawing/2014/main" id="{762CA081-515E-C944-F812-3B3C098AE0DE}"/>
+              </a:ext>
+            </a:extLst>
+          </p:cNvPr>
+          <p:cNvSpPr/>
+          <p:nvPr/>
+        </p:nvSpPr>
+        <p:spPr bwMode="auto">
+          <a:xfrm>
+            <a:off x="3039739" y="3939222"/>
+            <a:ext cx="792088" cy="131804"/>
+          </a:xfrm>
+          <a:prstGeom prst="rect">
+            <a:avLst/>
+          </a:prstGeom>
+          <a:noFill/>
+          <a:ln w="9525" cap="flat" cmpd="sng" algn="ctr">
+            <a:solidFill>
+              <a:schemeClr val="tx1"/>
+            </a:solidFill>
+            <a:prstDash val="solid"/>
+            <a:round/>
+            <a:headEnd type="none" w="med" len="med"/>
+            <a:tailEnd type="none" w="med" len="med"/>
+          </a:ln>
+          <a:effectLst/>
+        </p:spPr>
+        <p:txBody>
+          <a:bodyPr vert="horz" wrap="none" lIns="91440" tIns="45720" rIns="91440" bIns="45720" numCol="1" rtlCol="0" anchor="ctr" anchorCtr="0" compatLnSpc="1">
+            <a:prstTxWarp prst="textNoShape">
+              <a:avLst/>
+            </a:prstTxWarp>
+            <a:spAutoFit/>
+          </a:bodyPr>
+          <a:lstStyle/>
+          <a:p>
+            <a:pPr marL="0" marR="0" indent="0" algn="ctr" defTabSz="914400" rtl="0" eaLnBrk="1" fontAlgn="base" latinLnBrk="1" hangingPunct="1">
+              <a:lnSpc>
+                <a:spcPct val="100000"/>
+              </a:lnSpc>
+              <a:spcBef>
+                <a:spcPct val="50000"/>
+              </a:spcBef>
+              <a:spcAft>
+                <a:spcPct val="0"/>
+              </a:spcAft>
+              <a:buClrTx/>
+              <a:buSzTx/>
+              <a:buFontTx/>
+              <a:buNone/>
+              <a:tabLst/>
+            </a:pPr>
+            <a:endParaRPr kumimoji="1" lang="ko-KR" altLang="en-US" sz="800" b="0" i="0" u="none" strike="noStrike" cap="none" normalizeH="0" baseline="0">
+              <a:ln>
+                <a:noFill/>
+              </a:ln>
+              <a:solidFill>
+                <a:schemeClr val="tx1"/>
+              </a:solidFill>
+              <a:effectLst/>
+              <a:latin typeface="굴림" pitchFamily="50" charset="-127"/>
+              <a:ea typeface="굴림" pitchFamily="50" charset="-127"/>
+            </a:endParaRPr>
           </a:p>
         </p:txBody>
       </p:sp>
